--- a/IFJ15_PREZENTACE-2.pptx
+++ b/IFJ15_PREZENTACE-2.pptx
@@ -7802,42 +7802,1814 @@
           </a:p>
         </p:txBody>
       </p:sp>
-      <p:pic>
-        <p:nvPicPr>
-          <p:cNvPr id="6" name="Obrázek 5"/>
-          <p:cNvPicPr>
-            <a:picLocks noChangeAspect="1"/>
-          </p:cNvPicPr>
+      <p:graphicFrame>
+        <p:nvGraphicFramePr>
+          <p:cNvPr id="7" name="Table 6"/>
+          <p:cNvGraphicFramePr>
+            <a:graphicFrameLocks noGrp="1"/>
+          </p:cNvGraphicFramePr>
+          <p:nvPr>
+            <p:extLst>
+              <p:ext uri="{D42A27DB-BD31-4B8C-83A1-F6EECF244321}">
+                <p14:modId xmlns:p14="http://schemas.microsoft.com/office/powerpoint/2010/main" val="1334692440"/>
+              </p:ext>
+            </p:extLst>
+          </p:nvPr>
+        </p:nvGraphicFramePr>
+        <p:xfrm>
+          <a:off x="3719736" y="2564904"/>
+          <a:ext cx="714380" cy="2786084"/>
+        </p:xfrm>
+        <a:graphic>
+          <a:graphicData uri="http://schemas.openxmlformats.org/drawingml/2006/table">
+            <a:tbl>
+              <a:tblPr firstRow="1" bandRow="1">
+                <a:tableStyleId>{69CF1AB2-1976-4502-BF36-3FF5EA218861}</a:tableStyleId>
+              </a:tblPr>
+              <a:tblGrid>
+                <a:gridCol w="714380"/>
+              </a:tblGrid>
+              <a:tr h="398012">
+                <a:tc>
+                  <a:txBody>
+                    <a:bodyPr/>
+                    <a:lstStyle/>
+                    <a:p>
+                      <a:pPr algn="ctr"/>
+                      <a:r>
+                        <a:rPr lang="cs-CZ" sz="1800" b="0" dirty="0" smtClean="0">
+                          <a:latin typeface="Calibri" pitchFamily="34" charset="0"/>
+                        </a:rPr>
+                        <a:t>key</a:t>
+                      </a:r>
+                      <a:endParaRPr lang="cs-CZ" sz="1800" b="0" dirty="0">
+                        <a:latin typeface="Calibri" pitchFamily="34" charset="0"/>
+                      </a:endParaRPr>
+                    </a:p>
+                  </a:txBody>
+                  <a:tcPr>
+                    <a:lnL w="38100" cap="flat" cmpd="sng" algn="ctr">
+                      <a:solidFill>
+                        <a:schemeClr val="tx1"/>
+                      </a:solidFill>
+                      <a:prstDash val="solid"/>
+                      <a:round/>
+                      <a:headEnd type="none" w="med" len="med"/>
+                      <a:tailEnd type="none" w="med" len="med"/>
+                    </a:lnL>
+                    <a:lnR w="38100" cap="flat" cmpd="sng" algn="ctr">
+                      <a:solidFill>
+                        <a:schemeClr val="tx1"/>
+                      </a:solidFill>
+                      <a:prstDash val="solid"/>
+                      <a:round/>
+                      <a:headEnd type="none" w="med" len="med"/>
+                      <a:tailEnd type="none" w="med" len="med"/>
+                    </a:lnR>
+                    <a:lnT w="38100" cap="flat" cmpd="sng" algn="ctr">
+                      <a:solidFill>
+                        <a:schemeClr val="tx1"/>
+                      </a:solidFill>
+                      <a:prstDash val="solid"/>
+                      <a:round/>
+                      <a:headEnd type="none" w="med" len="med"/>
+                      <a:tailEnd type="none" w="med" len="med"/>
+                    </a:lnT>
+                    <a:lnB w="38100" cap="flat" cmpd="sng" algn="ctr">
+                      <a:solidFill>
+                        <a:schemeClr val="tx1"/>
+                      </a:solidFill>
+                      <a:prstDash val="solid"/>
+                      <a:round/>
+                      <a:headEnd type="none" w="med" len="med"/>
+                      <a:tailEnd type="none" w="med" len="med"/>
+                    </a:lnB>
+                    <a:noFill/>
+                  </a:tcPr>
+                </a:tc>
+              </a:tr>
+              <a:tr h="398012">
+                <a:tc>
+                  <a:txBody>
+                    <a:bodyPr/>
+                    <a:lstStyle/>
+                    <a:p>
+                      <a:endParaRPr lang="cs-CZ" dirty="0"/>
+                    </a:p>
+                  </a:txBody>
+                  <a:tcPr>
+                    <a:lnL w="38100" cap="flat" cmpd="sng" algn="ctr">
+                      <a:solidFill>
+                        <a:schemeClr val="tx1"/>
+                      </a:solidFill>
+                      <a:prstDash val="solid"/>
+                      <a:round/>
+                      <a:headEnd type="none" w="med" len="med"/>
+                      <a:tailEnd type="none" w="med" len="med"/>
+                    </a:lnL>
+                    <a:lnR w="38100" cap="flat" cmpd="sng" algn="ctr">
+                      <a:solidFill>
+                        <a:schemeClr val="tx1"/>
+                      </a:solidFill>
+                      <a:prstDash val="solid"/>
+                      <a:round/>
+                      <a:headEnd type="none" w="med" len="med"/>
+                      <a:tailEnd type="none" w="med" len="med"/>
+                    </a:lnR>
+                    <a:lnT w="38100" cap="flat" cmpd="sng" algn="ctr">
+                      <a:solidFill>
+                        <a:schemeClr val="tx1"/>
+                      </a:solidFill>
+                      <a:prstDash val="solid"/>
+                      <a:round/>
+                      <a:headEnd type="none" w="med" len="med"/>
+                      <a:tailEnd type="none" w="med" len="med"/>
+                    </a:lnT>
+                    <a:lnB w="38100" cap="flat" cmpd="sng" algn="ctr">
+                      <a:solidFill>
+                        <a:schemeClr val="tx1"/>
+                      </a:solidFill>
+                      <a:prstDash val="solid"/>
+                      <a:round/>
+                      <a:headEnd type="none" w="med" len="med"/>
+                      <a:tailEnd type="none" w="med" len="med"/>
+                    </a:lnB>
+                    <a:noFill/>
+                  </a:tcPr>
+                </a:tc>
+              </a:tr>
+              <a:tr h="398012">
+                <a:tc>
+                  <a:txBody>
+                    <a:bodyPr/>
+                    <a:lstStyle/>
+                    <a:p>
+                      <a:endParaRPr lang="cs-CZ" dirty="0"/>
+                    </a:p>
+                  </a:txBody>
+                  <a:tcPr>
+                    <a:lnL w="38100" cap="flat" cmpd="sng" algn="ctr">
+                      <a:solidFill>
+                        <a:schemeClr val="tx1"/>
+                      </a:solidFill>
+                      <a:prstDash val="solid"/>
+                      <a:round/>
+                      <a:headEnd type="none" w="med" len="med"/>
+                      <a:tailEnd type="none" w="med" len="med"/>
+                    </a:lnL>
+                    <a:lnR w="38100" cap="flat" cmpd="sng" algn="ctr">
+                      <a:solidFill>
+                        <a:schemeClr val="tx1"/>
+                      </a:solidFill>
+                      <a:prstDash val="solid"/>
+                      <a:round/>
+                      <a:headEnd type="none" w="med" len="med"/>
+                      <a:tailEnd type="none" w="med" len="med"/>
+                    </a:lnR>
+                    <a:lnT w="38100" cap="flat" cmpd="sng" algn="ctr">
+                      <a:solidFill>
+                        <a:schemeClr val="tx1"/>
+                      </a:solidFill>
+                      <a:prstDash val="solid"/>
+                      <a:round/>
+                      <a:headEnd type="none" w="med" len="med"/>
+                      <a:tailEnd type="none" w="med" len="med"/>
+                    </a:lnT>
+                    <a:lnB w="38100" cap="flat" cmpd="sng" algn="ctr">
+                      <a:solidFill>
+                        <a:schemeClr val="tx1"/>
+                      </a:solidFill>
+                      <a:prstDash val="solid"/>
+                      <a:round/>
+                      <a:headEnd type="none" w="med" len="med"/>
+                      <a:tailEnd type="none" w="med" len="med"/>
+                    </a:lnB>
+                    <a:noFill/>
+                  </a:tcPr>
+                </a:tc>
+              </a:tr>
+              <a:tr h="398012">
+                <a:tc>
+                  <a:txBody>
+                    <a:bodyPr/>
+                    <a:lstStyle/>
+                    <a:p>
+                      <a:endParaRPr lang="cs-CZ"/>
+                    </a:p>
+                  </a:txBody>
+                  <a:tcPr>
+                    <a:lnL w="38100" cap="flat" cmpd="sng" algn="ctr">
+                      <a:solidFill>
+                        <a:schemeClr val="tx1"/>
+                      </a:solidFill>
+                      <a:prstDash val="solid"/>
+                      <a:round/>
+                      <a:headEnd type="none" w="med" len="med"/>
+                      <a:tailEnd type="none" w="med" len="med"/>
+                    </a:lnL>
+                    <a:lnR w="38100" cap="flat" cmpd="sng" algn="ctr">
+                      <a:solidFill>
+                        <a:schemeClr val="tx1"/>
+                      </a:solidFill>
+                      <a:prstDash val="solid"/>
+                      <a:round/>
+                      <a:headEnd type="none" w="med" len="med"/>
+                      <a:tailEnd type="none" w="med" len="med"/>
+                    </a:lnR>
+                    <a:lnT w="38100" cap="flat" cmpd="sng" algn="ctr">
+                      <a:solidFill>
+                        <a:schemeClr val="tx1"/>
+                      </a:solidFill>
+                      <a:prstDash val="solid"/>
+                      <a:round/>
+                      <a:headEnd type="none" w="med" len="med"/>
+                      <a:tailEnd type="none" w="med" len="med"/>
+                    </a:lnT>
+                    <a:lnB w="38100" cap="flat" cmpd="sng" algn="ctr">
+                      <a:solidFill>
+                        <a:schemeClr val="tx1"/>
+                      </a:solidFill>
+                      <a:prstDash val="solid"/>
+                      <a:round/>
+                      <a:headEnd type="none" w="med" len="med"/>
+                      <a:tailEnd type="none" w="med" len="med"/>
+                    </a:lnB>
+                    <a:noFill/>
+                  </a:tcPr>
+                </a:tc>
+              </a:tr>
+              <a:tr h="398012">
+                <a:tc>
+                  <a:txBody>
+                    <a:bodyPr/>
+                    <a:lstStyle/>
+                    <a:p>
+                      <a:endParaRPr lang="cs-CZ"/>
+                    </a:p>
+                  </a:txBody>
+                  <a:tcPr>
+                    <a:lnL w="38100" cap="flat" cmpd="sng" algn="ctr">
+                      <a:solidFill>
+                        <a:schemeClr val="tx1"/>
+                      </a:solidFill>
+                      <a:prstDash val="solid"/>
+                      <a:round/>
+                      <a:headEnd type="none" w="med" len="med"/>
+                      <a:tailEnd type="none" w="med" len="med"/>
+                    </a:lnL>
+                    <a:lnR w="38100" cap="flat" cmpd="sng" algn="ctr">
+                      <a:solidFill>
+                        <a:schemeClr val="tx1"/>
+                      </a:solidFill>
+                      <a:prstDash val="solid"/>
+                      <a:round/>
+                      <a:headEnd type="none" w="med" len="med"/>
+                      <a:tailEnd type="none" w="med" len="med"/>
+                    </a:lnR>
+                    <a:lnT w="38100" cap="flat" cmpd="sng" algn="ctr">
+                      <a:solidFill>
+                        <a:schemeClr val="tx1"/>
+                      </a:solidFill>
+                      <a:prstDash val="solid"/>
+                      <a:round/>
+                      <a:headEnd type="none" w="med" len="med"/>
+                      <a:tailEnd type="none" w="med" len="med"/>
+                    </a:lnT>
+                    <a:lnB w="38100" cap="flat" cmpd="sng" algn="ctr">
+                      <a:solidFill>
+                        <a:schemeClr val="tx1"/>
+                      </a:solidFill>
+                      <a:prstDash val="solid"/>
+                      <a:round/>
+                      <a:headEnd type="none" w="med" len="med"/>
+                      <a:tailEnd type="none" w="med" len="med"/>
+                    </a:lnB>
+                    <a:noFill/>
+                  </a:tcPr>
+                </a:tc>
+              </a:tr>
+              <a:tr h="398012">
+                <a:tc>
+                  <a:txBody>
+                    <a:bodyPr/>
+                    <a:lstStyle/>
+                    <a:p>
+                      <a:endParaRPr lang="cs-CZ"/>
+                    </a:p>
+                  </a:txBody>
+                  <a:tcPr>
+                    <a:lnL w="38100" cap="flat" cmpd="sng" algn="ctr">
+                      <a:solidFill>
+                        <a:schemeClr val="tx1"/>
+                      </a:solidFill>
+                      <a:prstDash val="solid"/>
+                      <a:round/>
+                      <a:headEnd type="none" w="med" len="med"/>
+                      <a:tailEnd type="none" w="med" len="med"/>
+                    </a:lnL>
+                    <a:lnR w="38100" cap="flat" cmpd="sng" algn="ctr">
+                      <a:solidFill>
+                        <a:schemeClr val="tx1"/>
+                      </a:solidFill>
+                      <a:prstDash val="solid"/>
+                      <a:round/>
+                      <a:headEnd type="none" w="med" len="med"/>
+                      <a:tailEnd type="none" w="med" len="med"/>
+                    </a:lnR>
+                    <a:lnT w="38100" cap="flat" cmpd="sng" algn="ctr">
+                      <a:solidFill>
+                        <a:schemeClr val="tx1"/>
+                      </a:solidFill>
+                      <a:prstDash val="solid"/>
+                      <a:round/>
+                      <a:headEnd type="none" w="med" len="med"/>
+                      <a:tailEnd type="none" w="med" len="med"/>
+                    </a:lnT>
+                    <a:lnB w="38100" cap="flat" cmpd="sng" algn="ctr">
+                      <a:solidFill>
+                        <a:schemeClr val="tx1"/>
+                      </a:solidFill>
+                      <a:prstDash val="solid"/>
+                      <a:round/>
+                      <a:headEnd type="none" w="med" len="med"/>
+                      <a:tailEnd type="none" w="med" len="med"/>
+                    </a:lnB>
+                    <a:noFill/>
+                  </a:tcPr>
+                </a:tc>
+              </a:tr>
+              <a:tr h="398012">
+                <a:tc>
+                  <a:txBody>
+                    <a:bodyPr/>
+                    <a:lstStyle/>
+                    <a:p>
+                      <a:endParaRPr lang="cs-CZ" dirty="0"/>
+                    </a:p>
+                  </a:txBody>
+                  <a:tcPr>
+                    <a:lnL w="38100" cap="flat" cmpd="sng" algn="ctr">
+                      <a:solidFill>
+                        <a:schemeClr val="tx1"/>
+                      </a:solidFill>
+                      <a:prstDash val="solid"/>
+                      <a:round/>
+                      <a:headEnd type="none" w="med" len="med"/>
+                      <a:tailEnd type="none" w="med" len="med"/>
+                    </a:lnL>
+                    <a:lnR w="38100" cap="flat" cmpd="sng" algn="ctr">
+                      <a:solidFill>
+                        <a:schemeClr val="tx1"/>
+                      </a:solidFill>
+                      <a:prstDash val="solid"/>
+                      <a:round/>
+                      <a:headEnd type="none" w="med" len="med"/>
+                      <a:tailEnd type="none" w="med" len="med"/>
+                    </a:lnR>
+                    <a:lnT w="38100" cap="flat" cmpd="sng" algn="ctr">
+                      <a:solidFill>
+                        <a:schemeClr val="tx1"/>
+                      </a:solidFill>
+                      <a:prstDash val="solid"/>
+                      <a:round/>
+                      <a:headEnd type="none" w="med" len="med"/>
+                      <a:tailEnd type="none" w="med" len="med"/>
+                    </a:lnT>
+                    <a:lnB w="38100" cap="flat" cmpd="sng" algn="ctr">
+                      <a:solidFill>
+                        <a:schemeClr val="tx1"/>
+                      </a:solidFill>
+                      <a:prstDash val="solid"/>
+                      <a:round/>
+                      <a:headEnd type="none" w="med" len="med"/>
+                      <a:tailEnd type="none" w="med" len="med"/>
+                    </a:lnB>
+                    <a:noFill/>
+                  </a:tcPr>
+                </a:tc>
+              </a:tr>
+            </a:tbl>
+          </a:graphicData>
+        </a:graphic>
+      </p:graphicFrame>
+      <p:cxnSp>
+        <p:nvCxnSpPr>
+          <p:cNvPr id="8" name="Straight Arrow Connector 8"/>
+          <p:cNvCxnSpPr/>
           <p:nvPr/>
-        </p:nvPicPr>
-        <p:blipFill>
-          <a:blip r:embed="rId2">
-            <a:extLst>
-              <a:ext uri="{28A0092B-C50C-407E-A947-70E740481C1C}">
-                <a14:useLocalDpi xmlns:a14="http://schemas.microsoft.com/office/drawing/2010/main" val="0"/>
-              </a:ext>
-            </a:extLst>
-          </a:blip>
-          <a:stretch>
-            <a:fillRect/>
-          </a:stretch>
-        </p:blipFill>
-        <p:spPr>
+        </p:nvCxnSpPr>
+        <p:spPr bwMode="auto">
           <a:xfrm>
-            <a:off x="4151784" y="2142171"/>
-            <a:ext cx="6158458" cy="4105639"/>
+            <a:off x="4511824" y="2707780"/>
+            <a:ext cx="571504" cy="1588"/>
+          </a:xfrm>
+          <a:prstGeom prst="straightConnector1">
+            <a:avLst/>
+          </a:prstGeom>
+          <a:noFill/>
+          <a:ln w="9525" cap="flat" cmpd="sng" algn="ctr">
+            <a:solidFill>
+              <a:schemeClr val="tx1"/>
+            </a:solidFill>
+            <a:prstDash val="solid"/>
+            <a:round/>
+            <a:headEnd type="none" w="med" len="med"/>
+            <a:tailEnd type="arrow"/>
+          </a:ln>
+          <a:effectLst/>
+        </p:spPr>
+      </p:cxnSp>
+      <p:cxnSp>
+        <p:nvCxnSpPr>
+          <p:cNvPr id="9" name="Straight Arrow Connector 9"/>
+          <p:cNvCxnSpPr/>
+          <p:nvPr/>
+        </p:nvCxnSpPr>
+        <p:spPr bwMode="auto">
+          <a:xfrm>
+            <a:off x="4511824" y="3136408"/>
+            <a:ext cx="571504" cy="1588"/>
+          </a:xfrm>
+          <a:prstGeom prst="straightConnector1">
+            <a:avLst/>
+          </a:prstGeom>
+          <a:noFill/>
+          <a:ln w="9525" cap="flat" cmpd="sng" algn="ctr">
+            <a:solidFill>
+              <a:schemeClr val="tx1"/>
+            </a:solidFill>
+            <a:prstDash val="solid"/>
+            <a:round/>
+            <a:headEnd type="none" w="med" len="med"/>
+            <a:tailEnd type="arrow"/>
+          </a:ln>
+          <a:effectLst/>
+        </p:spPr>
+      </p:cxnSp>
+      <p:cxnSp>
+        <p:nvCxnSpPr>
+          <p:cNvPr id="10" name="Straight Arrow Connector 11"/>
+          <p:cNvCxnSpPr/>
+          <p:nvPr/>
+        </p:nvCxnSpPr>
+        <p:spPr bwMode="auto">
+          <a:xfrm>
+            <a:off x="4511824" y="3993664"/>
+            <a:ext cx="571504" cy="1588"/>
+          </a:xfrm>
+          <a:prstGeom prst="straightConnector1">
+            <a:avLst/>
+          </a:prstGeom>
+          <a:noFill/>
+          <a:ln w="9525" cap="flat" cmpd="sng" algn="ctr">
+            <a:solidFill>
+              <a:schemeClr val="tx1"/>
+            </a:solidFill>
+            <a:prstDash val="solid"/>
+            <a:round/>
+            <a:headEnd type="none" w="med" len="med"/>
+            <a:tailEnd type="arrow"/>
+          </a:ln>
+          <a:effectLst/>
+        </p:spPr>
+      </p:cxnSp>
+      <p:cxnSp>
+        <p:nvCxnSpPr>
+          <p:cNvPr id="11" name="Straight Arrow Connector 13"/>
+          <p:cNvCxnSpPr/>
+          <p:nvPr/>
+        </p:nvCxnSpPr>
+        <p:spPr bwMode="auto">
+          <a:xfrm>
+            <a:off x="4511824" y="4779482"/>
+            <a:ext cx="571504" cy="1588"/>
+          </a:xfrm>
+          <a:prstGeom prst="straightConnector1">
+            <a:avLst/>
+          </a:prstGeom>
+          <a:noFill/>
+          <a:ln w="9525" cap="flat" cmpd="sng" algn="ctr">
+            <a:solidFill>
+              <a:schemeClr val="tx1"/>
+            </a:solidFill>
+            <a:prstDash val="solid"/>
+            <a:round/>
+            <a:headEnd type="none" w="med" len="med"/>
+            <a:tailEnd type="arrow"/>
+          </a:ln>
+          <a:effectLst/>
+        </p:spPr>
+      </p:cxnSp>
+      <p:cxnSp>
+        <p:nvCxnSpPr>
+          <p:cNvPr id="12" name="Straight Arrow Connector 14"/>
+          <p:cNvCxnSpPr/>
+          <p:nvPr/>
+        </p:nvCxnSpPr>
+        <p:spPr bwMode="auto">
+          <a:xfrm>
+            <a:off x="4511824" y="5136672"/>
+            <a:ext cx="571504" cy="1588"/>
+          </a:xfrm>
+          <a:prstGeom prst="straightConnector1">
+            <a:avLst/>
+          </a:prstGeom>
+          <a:noFill/>
+          <a:ln w="9525" cap="flat" cmpd="sng" algn="ctr">
+            <a:solidFill>
+              <a:schemeClr val="tx1"/>
+            </a:solidFill>
+            <a:prstDash val="solid"/>
+            <a:round/>
+            <a:headEnd type="none" w="med" len="med"/>
+            <a:tailEnd type="arrow"/>
+          </a:ln>
+          <a:effectLst/>
+        </p:spPr>
+      </p:cxnSp>
+      <p:sp>
+        <p:nvSpPr>
+          <p:cNvPr id="13" name="Rectangle 15"/>
+          <p:cNvSpPr/>
+          <p:nvPr/>
+        </p:nvSpPr>
+        <p:spPr bwMode="auto">
+          <a:xfrm>
+            <a:off x="5159896" y="4636606"/>
+            <a:ext cx="714380" cy="285752"/>
           </a:xfrm>
           <a:prstGeom prst="rect">
             <a:avLst/>
           </a:prstGeom>
-          <a:ln>
-            <a:noFill/>
+          <a:noFill/>
+          <a:ln w="9525" cap="flat" cmpd="sng" algn="ctr">
+            <a:solidFill>
+              <a:schemeClr val="tx1"/>
+            </a:solidFill>
+            <a:prstDash val="solid"/>
+            <a:round/>
+            <a:headEnd type="none" w="med" len="med"/>
+            <a:tailEnd type="none" w="med" len="med"/>
           </a:ln>
-          <a:effectLst>
-            <a:softEdge rad="112500"/>
-          </a:effectLst>
+          <a:effectLst/>
         </p:spPr>
-      </p:pic>
+        <p:txBody>
+          <a:bodyPr vert="horz" wrap="square" lIns="91440" tIns="45720" rIns="91440" bIns="45720" numCol="1" rtlCol="0" anchor="t" anchorCtr="0" compatLnSpc="1">
+            <a:prstTxWarp prst="textNoShape">
+              <a:avLst/>
+            </a:prstTxWarp>
+          </a:bodyPr>
+          <a:lstStyle/>
+          <a:p>
+            <a:pPr marL="342900" marR="0" indent="-342900" algn="l" defTabSz="914400" rtl="0" eaLnBrk="1" fontAlgn="base" latinLnBrk="0" hangingPunct="1">
+              <a:lnSpc>
+                <a:spcPct val="100000"/>
+              </a:lnSpc>
+              <a:spcBef>
+                <a:spcPct val="20000"/>
+              </a:spcBef>
+              <a:spcAft>
+                <a:spcPct val="0"/>
+              </a:spcAft>
+              <a:buClrTx/>
+              <a:buSzTx/>
+              <a:buFontTx/>
+              <a:buChar char="•"/>
+              <a:tabLst/>
+            </a:pPr>
+            <a:endParaRPr kumimoji="0" lang="cs-CZ" sz="2400" b="1" i="0" u="none" strike="noStrike" cap="none" normalizeH="0" baseline="0" smtClean="0">
+              <a:ln>
+                <a:noFill/>
+              </a:ln>
+              <a:solidFill>
+                <a:srgbClr val="B9000C"/>
+              </a:solidFill>
+              <a:effectLst/>
+              <a:latin typeface="Tahoma" pitchFamily="34" charset="0"/>
+            </a:endParaRPr>
+          </a:p>
+        </p:txBody>
+      </p:sp>
+      <p:sp>
+        <p:nvSpPr>
+          <p:cNvPr id="14" name="Rectangle 16"/>
+          <p:cNvSpPr/>
+          <p:nvPr/>
+        </p:nvSpPr>
+        <p:spPr bwMode="auto">
+          <a:xfrm>
+            <a:off x="5159896" y="2993532"/>
+            <a:ext cx="714380" cy="285752"/>
+          </a:xfrm>
+          <a:prstGeom prst="rect">
+            <a:avLst/>
+          </a:prstGeom>
+          <a:noFill/>
+          <a:ln w="9525" cap="flat" cmpd="sng" algn="ctr">
+            <a:solidFill>
+              <a:schemeClr val="tx1"/>
+            </a:solidFill>
+            <a:prstDash val="solid"/>
+            <a:round/>
+            <a:headEnd type="none" w="med" len="med"/>
+            <a:tailEnd type="none" w="med" len="med"/>
+          </a:ln>
+          <a:effectLst/>
+        </p:spPr>
+        <p:txBody>
+          <a:bodyPr vert="horz" wrap="square" lIns="91440" tIns="45720" rIns="91440" bIns="45720" numCol="1" rtlCol="0" anchor="t" anchorCtr="0" compatLnSpc="1">
+            <a:prstTxWarp prst="textNoShape">
+              <a:avLst/>
+            </a:prstTxWarp>
+          </a:bodyPr>
+          <a:lstStyle/>
+          <a:p>
+            <a:pPr marL="342900" marR="0" indent="-342900" algn="l" defTabSz="914400" rtl="0" eaLnBrk="1" fontAlgn="base" latinLnBrk="0" hangingPunct="1">
+              <a:lnSpc>
+                <a:spcPct val="100000"/>
+              </a:lnSpc>
+              <a:spcBef>
+                <a:spcPct val="20000"/>
+              </a:spcBef>
+              <a:spcAft>
+                <a:spcPct val="0"/>
+              </a:spcAft>
+              <a:buClrTx/>
+              <a:buSzTx/>
+              <a:buFontTx/>
+              <a:buChar char="•"/>
+              <a:tabLst/>
+            </a:pPr>
+            <a:endParaRPr kumimoji="0" lang="cs-CZ" sz="2400" b="1" i="0" u="none" strike="noStrike" cap="none" normalizeH="0" baseline="0" smtClean="0">
+              <a:ln>
+                <a:noFill/>
+              </a:ln>
+              <a:solidFill>
+                <a:srgbClr val="B9000C"/>
+              </a:solidFill>
+              <a:effectLst/>
+              <a:latin typeface="Tahoma" pitchFamily="34" charset="0"/>
+            </a:endParaRPr>
+          </a:p>
+        </p:txBody>
+      </p:sp>
+      <p:sp>
+        <p:nvSpPr>
+          <p:cNvPr id="15" name="Rectangle 17"/>
+          <p:cNvSpPr/>
+          <p:nvPr/>
+        </p:nvSpPr>
+        <p:spPr bwMode="auto">
+          <a:xfrm>
+            <a:off x="5159896" y="3850788"/>
+            <a:ext cx="714380" cy="285752"/>
+          </a:xfrm>
+          <a:prstGeom prst="rect">
+            <a:avLst/>
+          </a:prstGeom>
+          <a:noFill/>
+          <a:ln w="9525" cap="flat" cmpd="sng" algn="ctr">
+            <a:solidFill>
+              <a:schemeClr val="tx1"/>
+            </a:solidFill>
+            <a:prstDash val="solid"/>
+            <a:round/>
+            <a:headEnd type="none" w="med" len="med"/>
+            <a:tailEnd type="none" w="med" len="med"/>
+          </a:ln>
+          <a:effectLst/>
+        </p:spPr>
+        <p:txBody>
+          <a:bodyPr vert="horz" wrap="square" lIns="91440" tIns="45720" rIns="91440" bIns="45720" numCol="1" rtlCol="0" anchor="t" anchorCtr="0" compatLnSpc="1">
+            <a:prstTxWarp prst="textNoShape">
+              <a:avLst/>
+            </a:prstTxWarp>
+          </a:bodyPr>
+          <a:lstStyle/>
+          <a:p>
+            <a:pPr marL="342900" marR="0" indent="-342900" algn="l" defTabSz="914400" rtl="0" eaLnBrk="1" fontAlgn="base" latinLnBrk="0" hangingPunct="1">
+              <a:lnSpc>
+                <a:spcPct val="100000"/>
+              </a:lnSpc>
+              <a:spcBef>
+                <a:spcPct val="20000"/>
+              </a:spcBef>
+              <a:spcAft>
+                <a:spcPct val="0"/>
+              </a:spcAft>
+              <a:buClrTx/>
+              <a:buSzTx/>
+              <a:buFontTx/>
+              <a:buChar char="•"/>
+              <a:tabLst/>
+            </a:pPr>
+            <a:endParaRPr kumimoji="0" lang="cs-CZ" sz="2400" b="1" i="0" u="none" strike="noStrike" cap="none" normalizeH="0" baseline="0" smtClean="0">
+              <a:ln>
+                <a:noFill/>
+              </a:ln>
+              <a:solidFill>
+                <a:srgbClr val="B9000C"/>
+              </a:solidFill>
+              <a:effectLst/>
+              <a:latin typeface="Tahoma" pitchFamily="34" charset="0"/>
+            </a:endParaRPr>
+          </a:p>
+        </p:txBody>
+      </p:sp>
+      <p:sp>
+        <p:nvSpPr>
+          <p:cNvPr id="16" name="Rectangle 18"/>
+          <p:cNvSpPr/>
+          <p:nvPr/>
+        </p:nvSpPr>
+        <p:spPr bwMode="auto">
+          <a:xfrm>
+            <a:off x="5159896" y="4993796"/>
+            <a:ext cx="714380" cy="285752"/>
+          </a:xfrm>
+          <a:prstGeom prst="rect">
+            <a:avLst/>
+          </a:prstGeom>
+          <a:noFill/>
+          <a:ln w="9525" cap="flat" cmpd="sng" algn="ctr">
+            <a:solidFill>
+              <a:schemeClr val="tx1"/>
+            </a:solidFill>
+            <a:prstDash val="solid"/>
+            <a:round/>
+            <a:headEnd type="none" w="med" len="med"/>
+            <a:tailEnd type="none" w="med" len="med"/>
+          </a:ln>
+          <a:effectLst/>
+        </p:spPr>
+        <p:txBody>
+          <a:bodyPr vert="horz" wrap="square" lIns="91440" tIns="45720" rIns="91440" bIns="45720" numCol="1" rtlCol="0" anchor="t" anchorCtr="0" compatLnSpc="1">
+            <a:prstTxWarp prst="textNoShape">
+              <a:avLst/>
+            </a:prstTxWarp>
+          </a:bodyPr>
+          <a:lstStyle/>
+          <a:p>
+            <a:pPr marL="342900" marR="0" indent="-342900" algn="l" defTabSz="914400" rtl="0" eaLnBrk="1" fontAlgn="base" latinLnBrk="0" hangingPunct="1">
+              <a:lnSpc>
+                <a:spcPct val="100000"/>
+              </a:lnSpc>
+              <a:spcBef>
+                <a:spcPct val="20000"/>
+              </a:spcBef>
+              <a:spcAft>
+                <a:spcPct val="0"/>
+              </a:spcAft>
+              <a:buClrTx/>
+              <a:buSzTx/>
+              <a:buFontTx/>
+              <a:buChar char="•"/>
+              <a:tabLst/>
+            </a:pPr>
+            <a:endParaRPr kumimoji="0" lang="cs-CZ" sz="2400" b="1" i="0" u="none" strike="noStrike" cap="none" normalizeH="0" baseline="0" smtClean="0">
+              <a:ln>
+                <a:noFill/>
+              </a:ln>
+              <a:solidFill>
+                <a:srgbClr val="B9000C"/>
+              </a:solidFill>
+              <a:effectLst/>
+              <a:latin typeface="Tahoma" pitchFamily="34" charset="0"/>
+            </a:endParaRPr>
+          </a:p>
+        </p:txBody>
+      </p:sp>
+      <p:sp>
+        <p:nvSpPr>
+          <p:cNvPr id="17" name="Rectangle 19"/>
+          <p:cNvSpPr/>
+          <p:nvPr/>
+        </p:nvSpPr>
+        <p:spPr bwMode="auto">
+          <a:xfrm>
+            <a:off x="5159896" y="2564904"/>
+            <a:ext cx="714380" cy="285752"/>
+          </a:xfrm>
+          <a:prstGeom prst="rect">
+            <a:avLst/>
+          </a:prstGeom>
+          <a:noFill/>
+          <a:ln w="9525" cap="flat" cmpd="sng" algn="ctr">
+            <a:solidFill>
+              <a:schemeClr val="tx1"/>
+            </a:solidFill>
+            <a:prstDash val="solid"/>
+            <a:round/>
+            <a:headEnd type="none" w="med" len="med"/>
+            <a:tailEnd type="none" w="med" len="med"/>
+          </a:ln>
+          <a:effectLst/>
+        </p:spPr>
+        <p:txBody>
+          <a:bodyPr vert="horz" wrap="square" lIns="91440" tIns="45720" rIns="91440" bIns="45720" numCol="1" rtlCol="0" anchor="t" anchorCtr="0" compatLnSpc="1">
+            <a:prstTxWarp prst="textNoShape">
+              <a:avLst/>
+            </a:prstTxWarp>
+          </a:bodyPr>
+          <a:lstStyle/>
+          <a:p>
+            <a:pPr marL="342900" marR="0" indent="-342900" algn="l" defTabSz="914400" rtl="0" eaLnBrk="1" fontAlgn="base" latinLnBrk="0" hangingPunct="1">
+              <a:lnSpc>
+                <a:spcPct val="100000"/>
+              </a:lnSpc>
+              <a:spcBef>
+                <a:spcPct val="20000"/>
+              </a:spcBef>
+              <a:spcAft>
+                <a:spcPct val="0"/>
+              </a:spcAft>
+              <a:buClrTx/>
+              <a:buSzTx/>
+              <a:buFontTx/>
+              <a:buChar char="•"/>
+              <a:tabLst/>
+            </a:pPr>
+            <a:endParaRPr kumimoji="0" lang="cs-CZ" sz="2400" b="1" i="0" u="none" strike="noStrike" cap="none" normalizeH="0" baseline="0" smtClean="0">
+              <a:ln>
+                <a:noFill/>
+              </a:ln>
+              <a:solidFill>
+                <a:srgbClr val="B9000C"/>
+              </a:solidFill>
+              <a:effectLst/>
+              <a:latin typeface="Tahoma" pitchFamily="34" charset="0"/>
+            </a:endParaRPr>
+          </a:p>
+        </p:txBody>
+      </p:sp>
+      <p:sp>
+        <p:nvSpPr>
+          <p:cNvPr id="18" name="Rectangle 20"/>
+          <p:cNvSpPr/>
+          <p:nvPr/>
+        </p:nvSpPr>
+        <p:spPr bwMode="auto">
+          <a:xfrm>
+            <a:off x="6148628" y="2564904"/>
+            <a:ext cx="714380" cy="285752"/>
+          </a:xfrm>
+          <a:prstGeom prst="rect">
+            <a:avLst/>
+          </a:prstGeom>
+          <a:noFill/>
+          <a:ln w="9525" cap="flat" cmpd="sng" algn="ctr">
+            <a:solidFill>
+              <a:schemeClr val="tx1"/>
+            </a:solidFill>
+            <a:prstDash val="solid"/>
+            <a:round/>
+            <a:headEnd type="none" w="med" len="med"/>
+            <a:tailEnd type="none" w="med" len="med"/>
+          </a:ln>
+          <a:effectLst/>
+        </p:spPr>
+        <p:txBody>
+          <a:bodyPr vert="horz" wrap="square" lIns="91440" tIns="45720" rIns="91440" bIns="45720" numCol="1" rtlCol="0" anchor="t" anchorCtr="0" compatLnSpc="1">
+            <a:prstTxWarp prst="textNoShape">
+              <a:avLst/>
+            </a:prstTxWarp>
+          </a:bodyPr>
+          <a:lstStyle/>
+          <a:p>
+            <a:pPr marL="342900" marR="0" indent="-342900" algn="l" defTabSz="914400" rtl="0" eaLnBrk="1" fontAlgn="base" latinLnBrk="0" hangingPunct="1">
+              <a:lnSpc>
+                <a:spcPct val="100000"/>
+              </a:lnSpc>
+              <a:spcBef>
+                <a:spcPct val="20000"/>
+              </a:spcBef>
+              <a:spcAft>
+                <a:spcPct val="0"/>
+              </a:spcAft>
+              <a:buClrTx/>
+              <a:buSzTx/>
+              <a:buFontTx/>
+              <a:buChar char="•"/>
+              <a:tabLst/>
+            </a:pPr>
+            <a:endParaRPr kumimoji="0" lang="cs-CZ" sz="2400" b="1" i="0" u="none" strike="noStrike" cap="none" normalizeH="0" baseline="0" smtClean="0">
+              <a:ln>
+                <a:noFill/>
+              </a:ln>
+              <a:solidFill>
+                <a:srgbClr val="B9000C"/>
+              </a:solidFill>
+              <a:effectLst/>
+              <a:latin typeface="Tahoma" pitchFamily="34" charset="0"/>
+            </a:endParaRPr>
+          </a:p>
+        </p:txBody>
+      </p:sp>
+      <p:cxnSp>
+        <p:nvCxnSpPr>
+          <p:cNvPr id="19" name="Straight Arrow Connector 22"/>
+          <p:cNvCxnSpPr>
+            <a:stCxn id="17" idx="3"/>
+            <a:endCxn id="18" idx="1"/>
+          </p:cNvCxnSpPr>
+          <p:nvPr/>
+        </p:nvCxnSpPr>
+        <p:spPr bwMode="auto">
+          <a:xfrm>
+            <a:off x="5874276" y="2707780"/>
+            <a:ext cx="274352" cy="0"/>
+          </a:xfrm>
+          <a:prstGeom prst="straightConnector1">
+            <a:avLst/>
+          </a:prstGeom>
+          <a:noFill/>
+          <a:ln w="9525" cap="flat" cmpd="sng" algn="ctr">
+            <a:solidFill>
+              <a:schemeClr val="tx1"/>
+            </a:solidFill>
+            <a:prstDash val="solid"/>
+            <a:round/>
+            <a:headEnd type="none" w="med" len="med"/>
+            <a:tailEnd type="arrow"/>
+          </a:ln>
+          <a:effectLst/>
+        </p:spPr>
+      </p:cxnSp>
+      <p:cxnSp>
+        <p:nvCxnSpPr>
+          <p:cNvPr id="20" name="Straight Arrow Connector 28"/>
+          <p:cNvCxnSpPr>
+            <a:stCxn id="18" idx="3"/>
+          </p:cNvCxnSpPr>
+          <p:nvPr/>
+        </p:nvCxnSpPr>
+        <p:spPr bwMode="auto">
+          <a:xfrm>
+            <a:off x="6863008" y="2707780"/>
+            <a:ext cx="1071570" cy="357190"/>
+          </a:xfrm>
+          <a:prstGeom prst="straightConnector1">
+            <a:avLst/>
+          </a:prstGeom>
+          <a:noFill/>
+          <a:ln w="28575" cap="flat" cmpd="sng" algn="ctr">
+            <a:solidFill>
+              <a:schemeClr val="tx1"/>
+            </a:solidFill>
+            <a:prstDash val="dash"/>
+            <a:round/>
+            <a:headEnd type="none" w="med" len="med"/>
+            <a:tailEnd type="arrow"/>
+          </a:ln>
+          <a:effectLst/>
+        </p:spPr>
+      </p:cxnSp>
+      <p:graphicFrame>
+        <p:nvGraphicFramePr>
+          <p:cNvPr id="21" name="Table 29"/>
+          <p:cNvGraphicFramePr>
+            <a:graphicFrameLocks noGrp="1"/>
+          </p:cNvGraphicFramePr>
+          <p:nvPr>
+            <p:extLst>
+              <p:ext uri="{D42A27DB-BD31-4B8C-83A1-F6EECF244321}">
+                <p14:modId xmlns:p14="http://schemas.microsoft.com/office/powerpoint/2010/main" val="3059155275"/>
+              </p:ext>
+            </p:extLst>
+          </p:nvPr>
+        </p:nvGraphicFramePr>
+        <p:xfrm>
+          <a:off x="7934578" y="2922094"/>
+          <a:ext cx="421301" cy="1645156"/>
+        </p:xfrm>
+        <a:graphic>
+          <a:graphicData uri="http://schemas.openxmlformats.org/drawingml/2006/table">
+            <a:tbl>
+              <a:tblPr firstRow="1" bandRow="1">
+                <a:tableStyleId>{69CF1AB2-1976-4502-BF36-3FF5EA218861}</a:tableStyleId>
+              </a:tblPr>
+              <a:tblGrid>
+                <a:gridCol w="421301"/>
+              </a:tblGrid>
+              <a:tr h="234725">
+                <a:tc>
+                  <a:txBody>
+                    <a:bodyPr/>
+                    <a:lstStyle/>
+                    <a:p>
+                      <a:pPr algn="ctr"/>
+                      <a:r>
+                        <a:rPr lang="cs-CZ" sz="1200" b="0" dirty="0" smtClean="0">
+                          <a:latin typeface="Calibri" pitchFamily="34" charset="0"/>
+                        </a:rPr>
+                        <a:t>key</a:t>
+                      </a:r>
+                      <a:endParaRPr lang="cs-CZ" sz="1200" b="0" dirty="0">
+                        <a:latin typeface="Calibri" pitchFamily="34" charset="0"/>
+                      </a:endParaRPr>
+                    </a:p>
+                  </a:txBody>
+                  <a:tcPr marL="53926" marR="53926" marT="26963" marB="26963">
+                    <a:lnL w="38100" cap="flat" cmpd="sng" algn="ctr">
+                      <a:solidFill>
+                        <a:schemeClr val="tx1"/>
+                      </a:solidFill>
+                      <a:prstDash val="solid"/>
+                      <a:round/>
+                      <a:headEnd type="none" w="med" len="med"/>
+                      <a:tailEnd type="none" w="med" len="med"/>
+                    </a:lnL>
+                    <a:lnR w="38100" cap="flat" cmpd="sng" algn="ctr">
+                      <a:solidFill>
+                        <a:schemeClr val="tx1"/>
+                      </a:solidFill>
+                      <a:prstDash val="solid"/>
+                      <a:round/>
+                      <a:headEnd type="none" w="med" len="med"/>
+                      <a:tailEnd type="none" w="med" len="med"/>
+                    </a:lnR>
+                    <a:lnT w="38100" cap="flat" cmpd="sng" algn="ctr">
+                      <a:solidFill>
+                        <a:schemeClr val="tx1"/>
+                      </a:solidFill>
+                      <a:prstDash val="solid"/>
+                      <a:round/>
+                      <a:headEnd type="none" w="med" len="med"/>
+                      <a:tailEnd type="none" w="med" len="med"/>
+                    </a:lnT>
+                    <a:lnB w="38100" cap="flat" cmpd="sng" algn="ctr">
+                      <a:solidFill>
+                        <a:schemeClr val="tx1"/>
+                      </a:solidFill>
+                      <a:prstDash val="solid"/>
+                      <a:round/>
+                      <a:headEnd type="none" w="med" len="med"/>
+                      <a:tailEnd type="none" w="med" len="med"/>
+                    </a:lnB>
+                    <a:noFill/>
+                  </a:tcPr>
+                </a:tc>
+              </a:tr>
+              <a:tr h="234725">
+                <a:tc>
+                  <a:txBody>
+                    <a:bodyPr/>
+                    <a:lstStyle/>
+                    <a:p>
+                      <a:endParaRPr lang="cs-CZ" sz="1100" dirty="0"/>
+                    </a:p>
+                  </a:txBody>
+                  <a:tcPr marL="53926" marR="53926" marT="26963" marB="26963">
+                    <a:lnL w="38100" cap="flat" cmpd="sng" algn="ctr">
+                      <a:solidFill>
+                        <a:schemeClr val="tx1"/>
+                      </a:solidFill>
+                      <a:prstDash val="solid"/>
+                      <a:round/>
+                      <a:headEnd type="none" w="med" len="med"/>
+                      <a:tailEnd type="none" w="med" len="med"/>
+                    </a:lnL>
+                    <a:lnR w="38100" cap="flat" cmpd="sng" algn="ctr">
+                      <a:solidFill>
+                        <a:schemeClr val="tx1"/>
+                      </a:solidFill>
+                      <a:prstDash val="solid"/>
+                      <a:round/>
+                      <a:headEnd type="none" w="med" len="med"/>
+                      <a:tailEnd type="none" w="med" len="med"/>
+                    </a:lnR>
+                    <a:lnT w="38100" cap="flat" cmpd="sng" algn="ctr">
+                      <a:solidFill>
+                        <a:schemeClr val="tx1"/>
+                      </a:solidFill>
+                      <a:prstDash val="solid"/>
+                      <a:round/>
+                      <a:headEnd type="none" w="med" len="med"/>
+                      <a:tailEnd type="none" w="med" len="med"/>
+                    </a:lnT>
+                    <a:lnB w="38100" cap="flat" cmpd="sng" algn="ctr">
+                      <a:solidFill>
+                        <a:schemeClr val="tx1"/>
+                      </a:solidFill>
+                      <a:prstDash val="solid"/>
+                      <a:round/>
+                      <a:headEnd type="none" w="med" len="med"/>
+                      <a:tailEnd type="none" w="med" len="med"/>
+                    </a:lnB>
+                    <a:noFill/>
+                  </a:tcPr>
+                </a:tc>
+              </a:tr>
+              <a:tr h="234725">
+                <a:tc>
+                  <a:txBody>
+                    <a:bodyPr/>
+                    <a:lstStyle/>
+                    <a:p>
+                      <a:endParaRPr lang="cs-CZ" sz="1100" dirty="0"/>
+                    </a:p>
+                  </a:txBody>
+                  <a:tcPr marL="53926" marR="53926" marT="26963" marB="26963">
+                    <a:lnL w="38100" cap="flat" cmpd="sng" algn="ctr">
+                      <a:solidFill>
+                        <a:schemeClr val="tx1"/>
+                      </a:solidFill>
+                      <a:prstDash val="solid"/>
+                      <a:round/>
+                      <a:headEnd type="none" w="med" len="med"/>
+                      <a:tailEnd type="none" w="med" len="med"/>
+                    </a:lnL>
+                    <a:lnR w="38100" cap="flat" cmpd="sng" algn="ctr">
+                      <a:solidFill>
+                        <a:schemeClr val="tx1"/>
+                      </a:solidFill>
+                      <a:prstDash val="solid"/>
+                      <a:round/>
+                      <a:headEnd type="none" w="med" len="med"/>
+                      <a:tailEnd type="none" w="med" len="med"/>
+                    </a:lnR>
+                    <a:lnT w="38100" cap="flat" cmpd="sng" algn="ctr">
+                      <a:solidFill>
+                        <a:schemeClr val="tx1"/>
+                      </a:solidFill>
+                      <a:prstDash val="solid"/>
+                      <a:round/>
+                      <a:headEnd type="none" w="med" len="med"/>
+                      <a:tailEnd type="none" w="med" len="med"/>
+                    </a:lnT>
+                    <a:lnB w="38100" cap="flat" cmpd="sng" algn="ctr">
+                      <a:solidFill>
+                        <a:schemeClr val="tx1"/>
+                      </a:solidFill>
+                      <a:prstDash val="solid"/>
+                      <a:round/>
+                      <a:headEnd type="none" w="med" len="med"/>
+                      <a:tailEnd type="none" w="med" len="med"/>
+                    </a:lnB>
+                    <a:noFill/>
+                  </a:tcPr>
+                </a:tc>
+              </a:tr>
+              <a:tr h="234725">
+                <a:tc>
+                  <a:txBody>
+                    <a:bodyPr/>
+                    <a:lstStyle/>
+                    <a:p>
+                      <a:endParaRPr lang="cs-CZ" sz="1100"/>
+                    </a:p>
+                  </a:txBody>
+                  <a:tcPr marL="53926" marR="53926" marT="26963" marB="26963">
+                    <a:lnL w="38100" cap="flat" cmpd="sng" algn="ctr">
+                      <a:solidFill>
+                        <a:schemeClr val="tx1"/>
+                      </a:solidFill>
+                      <a:prstDash val="solid"/>
+                      <a:round/>
+                      <a:headEnd type="none" w="med" len="med"/>
+                      <a:tailEnd type="none" w="med" len="med"/>
+                    </a:lnL>
+                    <a:lnR w="38100" cap="flat" cmpd="sng" algn="ctr">
+                      <a:solidFill>
+                        <a:schemeClr val="tx1"/>
+                      </a:solidFill>
+                      <a:prstDash val="solid"/>
+                      <a:round/>
+                      <a:headEnd type="none" w="med" len="med"/>
+                      <a:tailEnd type="none" w="med" len="med"/>
+                    </a:lnR>
+                    <a:lnT w="38100" cap="flat" cmpd="sng" algn="ctr">
+                      <a:solidFill>
+                        <a:schemeClr val="tx1"/>
+                      </a:solidFill>
+                      <a:prstDash val="solid"/>
+                      <a:round/>
+                      <a:headEnd type="none" w="med" len="med"/>
+                      <a:tailEnd type="none" w="med" len="med"/>
+                    </a:lnT>
+                    <a:lnB w="38100" cap="flat" cmpd="sng" algn="ctr">
+                      <a:solidFill>
+                        <a:schemeClr val="tx1"/>
+                      </a:solidFill>
+                      <a:prstDash val="solid"/>
+                      <a:round/>
+                      <a:headEnd type="none" w="med" len="med"/>
+                      <a:tailEnd type="none" w="med" len="med"/>
+                    </a:lnB>
+                    <a:noFill/>
+                  </a:tcPr>
+                </a:tc>
+              </a:tr>
+              <a:tr h="234725">
+                <a:tc>
+                  <a:txBody>
+                    <a:bodyPr/>
+                    <a:lstStyle/>
+                    <a:p>
+                      <a:endParaRPr lang="cs-CZ" sz="1100"/>
+                    </a:p>
+                  </a:txBody>
+                  <a:tcPr marL="53926" marR="53926" marT="26963" marB="26963">
+                    <a:lnL w="38100" cap="flat" cmpd="sng" algn="ctr">
+                      <a:solidFill>
+                        <a:schemeClr val="tx1"/>
+                      </a:solidFill>
+                      <a:prstDash val="solid"/>
+                      <a:round/>
+                      <a:headEnd type="none" w="med" len="med"/>
+                      <a:tailEnd type="none" w="med" len="med"/>
+                    </a:lnL>
+                    <a:lnR w="38100" cap="flat" cmpd="sng" algn="ctr">
+                      <a:solidFill>
+                        <a:schemeClr val="tx1"/>
+                      </a:solidFill>
+                      <a:prstDash val="solid"/>
+                      <a:round/>
+                      <a:headEnd type="none" w="med" len="med"/>
+                      <a:tailEnd type="none" w="med" len="med"/>
+                    </a:lnR>
+                    <a:lnT w="38100" cap="flat" cmpd="sng" algn="ctr">
+                      <a:solidFill>
+                        <a:schemeClr val="tx1"/>
+                      </a:solidFill>
+                      <a:prstDash val="solid"/>
+                      <a:round/>
+                      <a:headEnd type="none" w="med" len="med"/>
+                      <a:tailEnd type="none" w="med" len="med"/>
+                    </a:lnT>
+                    <a:lnB w="38100" cap="flat" cmpd="sng" algn="ctr">
+                      <a:solidFill>
+                        <a:schemeClr val="tx1"/>
+                      </a:solidFill>
+                      <a:prstDash val="solid"/>
+                      <a:round/>
+                      <a:headEnd type="none" w="med" len="med"/>
+                      <a:tailEnd type="none" w="med" len="med"/>
+                    </a:lnB>
+                    <a:noFill/>
+                  </a:tcPr>
+                </a:tc>
+              </a:tr>
+              <a:tr h="234725">
+                <a:tc>
+                  <a:txBody>
+                    <a:bodyPr/>
+                    <a:lstStyle/>
+                    <a:p>
+                      <a:endParaRPr lang="cs-CZ" sz="1100"/>
+                    </a:p>
+                  </a:txBody>
+                  <a:tcPr marL="53926" marR="53926" marT="26963" marB="26963">
+                    <a:lnL w="38100" cap="flat" cmpd="sng" algn="ctr">
+                      <a:solidFill>
+                        <a:schemeClr val="tx1"/>
+                      </a:solidFill>
+                      <a:prstDash val="solid"/>
+                      <a:round/>
+                      <a:headEnd type="none" w="med" len="med"/>
+                      <a:tailEnd type="none" w="med" len="med"/>
+                    </a:lnL>
+                    <a:lnR w="38100" cap="flat" cmpd="sng" algn="ctr">
+                      <a:solidFill>
+                        <a:schemeClr val="tx1"/>
+                      </a:solidFill>
+                      <a:prstDash val="solid"/>
+                      <a:round/>
+                      <a:headEnd type="none" w="med" len="med"/>
+                      <a:tailEnd type="none" w="med" len="med"/>
+                    </a:lnR>
+                    <a:lnT w="38100" cap="flat" cmpd="sng" algn="ctr">
+                      <a:solidFill>
+                        <a:schemeClr val="tx1"/>
+                      </a:solidFill>
+                      <a:prstDash val="solid"/>
+                      <a:round/>
+                      <a:headEnd type="none" w="med" len="med"/>
+                      <a:tailEnd type="none" w="med" len="med"/>
+                    </a:lnT>
+                    <a:lnB w="38100" cap="flat" cmpd="sng" algn="ctr">
+                      <a:solidFill>
+                        <a:schemeClr val="tx1"/>
+                      </a:solidFill>
+                      <a:prstDash val="solid"/>
+                      <a:round/>
+                      <a:headEnd type="none" w="med" len="med"/>
+                      <a:tailEnd type="none" w="med" len="med"/>
+                    </a:lnB>
+                    <a:noFill/>
+                  </a:tcPr>
+                </a:tc>
+              </a:tr>
+              <a:tr h="234725">
+                <a:tc>
+                  <a:txBody>
+                    <a:bodyPr/>
+                    <a:lstStyle/>
+                    <a:p>
+                      <a:endParaRPr lang="cs-CZ" sz="1100" dirty="0"/>
+                    </a:p>
+                  </a:txBody>
+                  <a:tcPr marL="53926" marR="53926" marT="26963" marB="26963">
+                    <a:lnL w="38100" cap="flat" cmpd="sng" algn="ctr">
+                      <a:solidFill>
+                        <a:schemeClr val="tx1"/>
+                      </a:solidFill>
+                      <a:prstDash val="solid"/>
+                      <a:round/>
+                      <a:headEnd type="none" w="med" len="med"/>
+                      <a:tailEnd type="none" w="med" len="med"/>
+                    </a:lnL>
+                    <a:lnR w="38100" cap="flat" cmpd="sng" algn="ctr">
+                      <a:solidFill>
+                        <a:schemeClr val="tx1"/>
+                      </a:solidFill>
+                      <a:prstDash val="solid"/>
+                      <a:round/>
+                      <a:headEnd type="none" w="med" len="med"/>
+                      <a:tailEnd type="none" w="med" len="med"/>
+                    </a:lnR>
+                    <a:lnT w="38100" cap="flat" cmpd="sng" algn="ctr">
+                      <a:solidFill>
+                        <a:schemeClr val="tx1"/>
+                      </a:solidFill>
+                      <a:prstDash val="solid"/>
+                      <a:round/>
+                      <a:headEnd type="none" w="med" len="med"/>
+                      <a:tailEnd type="none" w="med" len="med"/>
+                    </a:lnT>
+                    <a:lnB w="38100" cap="flat" cmpd="sng" algn="ctr">
+                      <a:solidFill>
+                        <a:schemeClr val="tx1"/>
+                      </a:solidFill>
+                      <a:prstDash val="solid"/>
+                      <a:round/>
+                      <a:headEnd type="none" w="med" len="med"/>
+                      <a:tailEnd type="none" w="med" len="med"/>
+                    </a:lnB>
+                    <a:noFill/>
+                  </a:tcPr>
+                </a:tc>
+              </a:tr>
+            </a:tbl>
+          </a:graphicData>
+        </a:graphic>
+      </p:graphicFrame>
+      <p:cxnSp>
+        <p:nvCxnSpPr>
+          <p:cNvPr id="22" name="Straight Arrow Connector 33"/>
+          <p:cNvCxnSpPr/>
+          <p:nvPr/>
+        </p:nvCxnSpPr>
+        <p:spPr bwMode="auto">
+          <a:xfrm>
+            <a:off x="8400256" y="2993532"/>
+            <a:ext cx="285752" cy="2382"/>
+          </a:xfrm>
+          <a:prstGeom prst="straightConnector1">
+            <a:avLst/>
+          </a:prstGeom>
+          <a:noFill/>
+          <a:ln w="9525" cap="flat" cmpd="sng" algn="ctr">
+            <a:solidFill>
+              <a:schemeClr val="tx1"/>
+            </a:solidFill>
+            <a:prstDash val="solid"/>
+            <a:round/>
+            <a:headEnd type="none" w="med" len="med"/>
+            <a:tailEnd type="arrow"/>
+          </a:ln>
+          <a:effectLst/>
+        </p:spPr>
+      </p:cxnSp>
+      <p:cxnSp>
+        <p:nvCxnSpPr>
+          <p:cNvPr id="23" name="Straight Arrow Connector 34"/>
+          <p:cNvCxnSpPr/>
+          <p:nvPr/>
+        </p:nvCxnSpPr>
+        <p:spPr bwMode="auto">
+          <a:xfrm>
+            <a:off x="8400256" y="3491216"/>
+            <a:ext cx="285752" cy="2382"/>
+          </a:xfrm>
+          <a:prstGeom prst="straightConnector1">
+            <a:avLst/>
+          </a:prstGeom>
+          <a:noFill/>
+          <a:ln w="9525" cap="flat" cmpd="sng" algn="ctr">
+            <a:solidFill>
+              <a:schemeClr val="tx1"/>
+            </a:solidFill>
+            <a:prstDash val="solid"/>
+            <a:round/>
+            <a:headEnd type="none" w="med" len="med"/>
+            <a:tailEnd type="arrow"/>
+          </a:ln>
+          <a:effectLst/>
+        </p:spPr>
+      </p:cxnSp>
+      <p:cxnSp>
+        <p:nvCxnSpPr>
+          <p:cNvPr id="24" name="Straight Arrow Connector 35"/>
+          <p:cNvCxnSpPr/>
+          <p:nvPr/>
+        </p:nvCxnSpPr>
+        <p:spPr bwMode="auto">
+          <a:xfrm>
+            <a:off x="8400256" y="4207978"/>
+            <a:ext cx="285752" cy="2382"/>
+          </a:xfrm>
+          <a:prstGeom prst="straightConnector1">
+            <a:avLst/>
+          </a:prstGeom>
+          <a:noFill/>
+          <a:ln w="9525" cap="flat" cmpd="sng" algn="ctr">
+            <a:solidFill>
+              <a:schemeClr val="tx1"/>
+            </a:solidFill>
+            <a:prstDash val="solid"/>
+            <a:round/>
+            <a:headEnd type="none" w="med" len="med"/>
+            <a:tailEnd type="arrow"/>
+          </a:ln>
+          <a:effectLst/>
+        </p:spPr>
+      </p:cxnSp>
+      <p:sp>
+        <p:nvSpPr>
+          <p:cNvPr id="25" name="Rectangle 36"/>
+          <p:cNvSpPr/>
+          <p:nvPr/>
+        </p:nvSpPr>
+        <p:spPr bwMode="auto">
+          <a:xfrm flipV="1">
+            <a:off x="8760296" y="3422160"/>
+            <a:ext cx="357190" cy="142876"/>
+          </a:xfrm>
+          <a:prstGeom prst="rect">
+            <a:avLst/>
+          </a:prstGeom>
+          <a:noFill/>
+          <a:ln w="9525" cap="flat" cmpd="sng" algn="ctr">
+            <a:solidFill>
+              <a:schemeClr val="tx1"/>
+            </a:solidFill>
+            <a:prstDash val="solid"/>
+            <a:round/>
+            <a:headEnd type="none" w="med" len="med"/>
+            <a:tailEnd type="none" w="med" len="med"/>
+          </a:ln>
+          <a:effectLst/>
+        </p:spPr>
+        <p:txBody>
+          <a:bodyPr vert="horz" wrap="square" lIns="91440" tIns="45720" rIns="91440" bIns="45720" numCol="1" rtlCol="0" anchor="t" anchorCtr="0" compatLnSpc="1">
+            <a:prstTxWarp prst="textNoShape">
+              <a:avLst/>
+            </a:prstTxWarp>
+          </a:bodyPr>
+          <a:lstStyle/>
+          <a:p>
+            <a:pPr marL="342900" marR="0" indent="-342900" algn="l" defTabSz="914400" rtl="0" eaLnBrk="1" fontAlgn="base" latinLnBrk="0" hangingPunct="1">
+              <a:lnSpc>
+                <a:spcPct val="100000"/>
+              </a:lnSpc>
+              <a:spcBef>
+                <a:spcPct val="20000"/>
+              </a:spcBef>
+              <a:spcAft>
+                <a:spcPct val="0"/>
+              </a:spcAft>
+              <a:buClrTx/>
+              <a:buSzTx/>
+              <a:buFontTx/>
+              <a:buChar char="•"/>
+              <a:tabLst/>
+            </a:pPr>
+            <a:endParaRPr kumimoji="0" lang="cs-CZ" sz="2400" b="1" i="0" u="none" strike="noStrike" cap="none" normalizeH="0" baseline="0" smtClean="0">
+              <a:ln>
+                <a:noFill/>
+              </a:ln>
+              <a:solidFill>
+                <a:srgbClr val="B9000C"/>
+              </a:solidFill>
+              <a:effectLst/>
+              <a:latin typeface="Tahoma" pitchFamily="34" charset="0"/>
+            </a:endParaRPr>
+          </a:p>
+        </p:txBody>
+      </p:sp>
+      <p:sp>
+        <p:nvSpPr>
+          <p:cNvPr id="26" name="Rectangle 37"/>
+          <p:cNvSpPr/>
+          <p:nvPr/>
+        </p:nvSpPr>
+        <p:spPr bwMode="auto">
+          <a:xfrm flipV="1">
+            <a:off x="8760296" y="4136540"/>
+            <a:ext cx="357190" cy="142876"/>
+          </a:xfrm>
+          <a:prstGeom prst="rect">
+            <a:avLst/>
+          </a:prstGeom>
+          <a:noFill/>
+          <a:ln w="9525" cap="flat" cmpd="sng" algn="ctr">
+            <a:solidFill>
+              <a:schemeClr val="tx1"/>
+            </a:solidFill>
+            <a:prstDash val="solid"/>
+            <a:round/>
+            <a:headEnd type="none" w="med" len="med"/>
+            <a:tailEnd type="none" w="med" len="med"/>
+          </a:ln>
+          <a:effectLst/>
+        </p:spPr>
+        <p:txBody>
+          <a:bodyPr vert="horz" wrap="square" lIns="91440" tIns="45720" rIns="91440" bIns="45720" numCol="1" rtlCol="0" anchor="t" anchorCtr="0" compatLnSpc="1">
+            <a:prstTxWarp prst="textNoShape">
+              <a:avLst/>
+            </a:prstTxWarp>
+          </a:bodyPr>
+          <a:lstStyle/>
+          <a:p>
+            <a:pPr marL="342900" marR="0" indent="-342900" algn="l" defTabSz="914400" rtl="0" eaLnBrk="1" fontAlgn="base" latinLnBrk="0" hangingPunct="1">
+              <a:lnSpc>
+                <a:spcPct val="100000"/>
+              </a:lnSpc>
+              <a:spcBef>
+                <a:spcPct val="20000"/>
+              </a:spcBef>
+              <a:spcAft>
+                <a:spcPct val="0"/>
+              </a:spcAft>
+              <a:buClrTx/>
+              <a:buSzTx/>
+              <a:buFontTx/>
+              <a:buChar char="•"/>
+              <a:tabLst/>
+            </a:pPr>
+            <a:endParaRPr kumimoji="0" lang="cs-CZ" sz="2400" b="1" i="0" u="none" strike="noStrike" cap="none" normalizeH="0" baseline="0" smtClean="0">
+              <a:ln>
+                <a:noFill/>
+              </a:ln>
+              <a:solidFill>
+                <a:srgbClr val="B9000C"/>
+              </a:solidFill>
+              <a:effectLst/>
+              <a:latin typeface="Tahoma" pitchFamily="34" charset="0"/>
+            </a:endParaRPr>
+          </a:p>
+        </p:txBody>
+      </p:sp>
+      <p:sp>
+        <p:nvSpPr>
+          <p:cNvPr id="27" name="Rectangle 38"/>
+          <p:cNvSpPr/>
+          <p:nvPr/>
+        </p:nvSpPr>
+        <p:spPr bwMode="auto">
+          <a:xfrm flipV="1">
+            <a:off x="8760296" y="2922094"/>
+            <a:ext cx="357190" cy="142876"/>
+          </a:xfrm>
+          <a:prstGeom prst="rect">
+            <a:avLst/>
+          </a:prstGeom>
+          <a:noFill/>
+          <a:ln w="9525" cap="flat" cmpd="sng" algn="ctr">
+            <a:solidFill>
+              <a:schemeClr val="tx1"/>
+            </a:solidFill>
+            <a:prstDash val="solid"/>
+            <a:round/>
+            <a:headEnd type="none" w="med" len="med"/>
+            <a:tailEnd type="none" w="med" len="med"/>
+          </a:ln>
+          <a:effectLst/>
+        </p:spPr>
+        <p:txBody>
+          <a:bodyPr vert="horz" wrap="square" lIns="91440" tIns="45720" rIns="91440" bIns="45720" numCol="1" rtlCol="0" anchor="t" anchorCtr="0" compatLnSpc="1">
+            <a:prstTxWarp prst="textNoShape">
+              <a:avLst/>
+            </a:prstTxWarp>
+          </a:bodyPr>
+          <a:lstStyle/>
+          <a:p>
+            <a:pPr marL="342900" marR="0" indent="-342900" algn="l" defTabSz="914400" rtl="0" eaLnBrk="1" fontAlgn="base" latinLnBrk="0" hangingPunct="1">
+              <a:lnSpc>
+                <a:spcPct val="100000"/>
+              </a:lnSpc>
+              <a:spcBef>
+                <a:spcPct val="20000"/>
+              </a:spcBef>
+              <a:spcAft>
+                <a:spcPct val="0"/>
+              </a:spcAft>
+              <a:buClrTx/>
+              <a:buSzTx/>
+              <a:buFontTx/>
+              <a:buChar char="•"/>
+              <a:tabLst/>
+            </a:pPr>
+            <a:endParaRPr kumimoji="0" lang="cs-CZ" sz="2400" b="1" i="0" u="none" strike="noStrike" cap="none" normalizeH="0" baseline="0" smtClean="0">
+              <a:ln>
+                <a:noFill/>
+              </a:ln>
+              <a:solidFill>
+                <a:srgbClr val="B9000C"/>
+              </a:solidFill>
+              <a:effectLst/>
+              <a:latin typeface="Tahoma" pitchFamily="34" charset="0"/>
+            </a:endParaRPr>
+          </a:p>
+        </p:txBody>
+      </p:sp>
+      <p:sp>
+        <p:nvSpPr>
+          <p:cNvPr id="28" name="Rectangle 39"/>
+          <p:cNvSpPr/>
+          <p:nvPr/>
+        </p:nvSpPr>
+        <p:spPr bwMode="auto">
+          <a:xfrm flipV="1">
+            <a:off x="9291900" y="2922094"/>
+            <a:ext cx="357190" cy="142876"/>
+          </a:xfrm>
+          <a:prstGeom prst="rect">
+            <a:avLst/>
+          </a:prstGeom>
+          <a:noFill/>
+          <a:ln w="9525" cap="flat" cmpd="sng" algn="ctr">
+            <a:solidFill>
+              <a:schemeClr val="tx1"/>
+            </a:solidFill>
+            <a:prstDash val="solid"/>
+            <a:round/>
+            <a:headEnd type="none" w="med" len="med"/>
+            <a:tailEnd type="none" w="med" len="med"/>
+          </a:ln>
+          <a:effectLst/>
+        </p:spPr>
+        <p:txBody>
+          <a:bodyPr vert="horz" wrap="square" lIns="91440" tIns="45720" rIns="91440" bIns="45720" numCol="1" rtlCol="0" anchor="t" anchorCtr="0" compatLnSpc="1">
+            <a:prstTxWarp prst="textNoShape">
+              <a:avLst/>
+            </a:prstTxWarp>
+          </a:bodyPr>
+          <a:lstStyle/>
+          <a:p>
+            <a:pPr marL="342900" marR="0" indent="-342900" algn="l" defTabSz="914400" rtl="0" eaLnBrk="1" fontAlgn="base" latinLnBrk="0" hangingPunct="1">
+              <a:lnSpc>
+                <a:spcPct val="100000"/>
+              </a:lnSpc>
+              <a:spcBef>
+                <a:spcPct val="20000"/>
+              </a:spcBef>
+              <a:spcAft>
+                <a:spcPct val="0"/>
+              </a:spcAft>
+              <a:buClrTx/>
+              <a:buSzTx/>
+              <a:buFontTx/>
+              <a:buChar char="•"/>
+              <a:tabLst/>
+            </a:pPr>
+            <a:endParaRPr kumimoji="0" lang="cs-CZ" sz="2400" b="1" i="0" u="none" strike="noStrike" cap="none" normalizeH="0" baseline="0" smtClean="0">
+              <a:ln>
+                <a:noFill/>
+              </a:ln>
+              <a:solidFill>
+                <a:srgbClr val="B9000C"/>
+              </a:solidFill>
+              <a:effectLst/>
+              <a:latin typeface="Tahoma" pitchFamily="34" charset="0"/>
+            </a:endParaRPr>
+          </a:p>
+        </p:txBody>
+      </p:sp>
+      <p:cxnSp>
+        <p:nvCxnSpPr>
+          <p:cNvPr id="29" name="Straight Arrow Connector 44"/>
+          <p:cNvCxnSpPr>
+            <a:stCxn id="27" idx="3"/>
+            <a:endCxn id="28" idx="1"/>
+          </p:cNvCxnSpPr>
+          <p:nvPr/>
+        </p:nvCxnSpPr>
+        <p:spPr bwMode="auto">
+          <a:xfrm>
+            <a:off x="9117486" y="2993532"/>
+            <a:ext cx="174414" cy="0"/>
+          </a:xfrm>
+          <a:prstGeom prst="straightConnector1">
+            <a:avLst/>
+          </a:prstGeom>
+          <a:noFill/>
+          <a:ln w="9525" cap="flat" cmpd="sng" algn="ctr">
+            <a:solidFill>
+              <a:schemeClr val="tx1"/>
+            </a:solidFill>
+            <a:prstDash val="solid"/>
+            <a:round/>
+            <a:headEnd type="none" w="med" len="med"/>
+            <a:tailEnd type="arrow"/>
+          </a:ln>
+          <a:effectLst/>
+        </p:spPr>
+      </p:cxnSp>
+      <p:sp>
+        <p:nvSpPr>
+          <p:cNvPr id="30" name="TextBox 47"/>
+          <p:cNvSpPr txBox="1"/>
+          <p:nvPr/>
+        </p:nvSpPr>
+        <p:spPr>
+          <a:xfrm>
+            <a:off x="3374995" y="5506533"/>
+            <a:ext cx="3429024" cy="400110"/>
+          </a:xfrm>
+          <a:prstGeom prst="rect">
+            <a:avLst/>
+          </a:prstGeom>
+          <a:noFill/>
+        </p:spPr>
+        <p:txBody>
+          <a:bodyPr wrap="square" rtlCol="0">
+            <a:spAutoFit/>
+          </a:bodyPr>
+          <a:lstStyle/>
+          <a:p>
+            <a:pPr>
+              <a:buNone/>
+            </a:pPr>
+            <a:r>
+              <a:rPr lang="cs-CZ" sz="2000" b="0" dirty="0" smtClean="0">
+                <a:solidFill>
+                  <a:schemeClr val="bg2">
+                    <a:lumMod val="75000"/>
+                  </a:schemeClr>
+                </a:solidFill>
+                <a:latin typeface="Calibri" pitchFamily="34" charset="0"/>
+              </a:rPr>
+              <a:t>Globální Tabulka Symbolů</a:t>
+            </a:r>
+            <a:endParaRPr lang="cs-CZ" sz="2000" b="0" dirty="0">
+              <a:solidFill>
+                <a:schemeClr val="bg2">
+                  <a:lumMod val="75000"/>
+                </a:schemeClr>
+              </a:solidFill>
+              <a:latin typeface="Calibri" pitchFamily="34" charset="0"/>
+            </a:endParaRPr>
+          </a:p>
+        </p:txBody>
+      </p:sp>
+      <p:sp>
+        <p:nvSpPr>
+          <p:cNvPr id="33" name="Obdélník 32"/>
+          <p:cNvSpPr/>
+          <p:nvPr/>
+        </p:nvSpPr>
+        <p:spPr>
+          <a:xfrm>
+            <a:off x="7284592" y="4726042"/>
+            <a:ext cx="2723951" cy="400110"/>
+          </a:xfrm>
+          <a:prstGeom prst="rect">
+            <a:avLst/>
+          </a:prstGeom>
+        </p:spPr>
+        <p:txBody>
+          <a:bodyPr wrap="none">
+            <a:spAutoFit/>
+          </a:bodyPr>
+          <a:lstStyle/>
+          <a:p>
+            <a:pPr>
+              <a:buNone/>
+            </a:pPr>
+            <a:r>
+              <a:rPr lang="cs-CZ" sz="2000" b="0" dirty="0">
+                <a:solidFill>
+                  <a:schemeClr val="bg2">
+                    <a:lumMod val="75000"/>
+                  </a:schemeClr>
+                </a:solidFill>
+                <a:latin typeface="Calibri" pitchFamily="34" charset="0"/>
+              </a:rPr>
+              <a:t>Lokální Tabulka Symbolů</a:t>
+            </a:r>
+            <a:endParaRPr lang="cs-CZ" sz="2000" b="0" dirty="0">
+              <a:solidFill>
+                <a:schemeClr val="bg2">
+                  <a:lumMod val="75000"/>
+                </a:schemeClr>
+              </a:solidFill>
+              <a:latin typeface="Calibri" pitchFamily="34" charset="0"/>
+            </a:endParaRPr>
+          </a:p>
+        </p:txBody>
+      </p:sp>
     </p:spTree>
     <p:extLst>
       <p:ext uri="{BB962C8B-B14F-4D97-AF65-F5344CB8AC3E}">
@@ -7927,7 +9699,7 @@
               </a:spcAft>
             </a:pPr>
             <a:r>
-              <a:rPr lang="cs-CZ" sz="2800" dirty="0" smtClean="0"/>
+              <a:rPr lang="cs-CZ" sz="2400" dirty="0" smtClean="0"/>
               <a:t>Řazení hromadou </a:t>
             </a:r>
           </a:p>
@@ -7938,23 +9710,23 @@
               </a:spcAft>
             </a:pPr>
             <a:r>
-              <a:rPr lang="cs-CZ" sz="2800" dirty="0" smtClean="0"/>
+              <a:rPr lang="cs-CZ" sz="2400" dirty="0" smtClean="0"/>
               <a:t>Časová složitost: </a:t>
             </a:r>
             <a:r>
-              <a:rPr lang="cs-CZ" sz="2800" dirty="0" err="1" smtClean="0"/>
+              <a:rPr lang="cs-CZ" sz="2400" dirty="0" err="1" smtClean="0"/>
               <a:t>linearitmická</a:t>
             </a:r>
             <a:r>
-              <a:rPr lang="cs-CZ" sz="2800" dirty="0" smtClean="0"/>
+              <a:rPr lang="cs-CZ" sz="2400" dirty="0" smtClean="0"/>
               <a:t> </a:t>
             </a:r>
             <a:r>
-              <a:rPr lang="el-GR" sz="2800" dirty="0" smtClean="0"/>
+              <a:rPr lang="el-GR" sz="2400" dirty="0" smtClean="0"/>
               <a:t>θ</a:t>
             </a:r>
             <a:r>
-              <a:rPr lang="cs-CZ" sz="2800" dirty="0" smtClean="0"/>
+              <a:rPr lang="cs-CZ" sz="2400" dirty="0" smtClean="0"/>
               <a:t>(n*log(n))</a:t>
             </a:r>
           </a:p>
@@ -7965,7 +9737,7 @@
               </a:spcAft>
             </a:pPr>
             <a:r>
-              <a:rPr lang="cs-CZ" sz="2800" dirty="0" smtClean="0"/>
+              <a:rPr lang="cs-CZ" sz="2400" dirty="0" smtClean="0"/>
               <a:t>Nestabilní</a:t>
             </a:r>
           </a:p>
@@ -7976,10 +9748,10 @@
               </a:spcAft>
             </a:pPr>
             <a:r>
-              <a:rPr lang="cs-CZ" sz="2800" dirty="0" smtClean="0"/>
+              <a:rPr lang="cs-CZ" sz="2400" dirty="0" smtClean="0"/>
               <a:t>Velmi rychlý</a:t>
             </a:r>
-            <a:endParaRPr lang="cs-CZ" sz="2800" dirty="0"/>
+            <a:endParaRPr lang="cs-CZ" sz="2400" dirty="0"/>
           </a:p>
         </p:txBody>
       </p:sp>
@@ -8030,6 +9802,1847 @@
               <a:t>7</a:t>
             </a:fld>
             <a:endParaRPr lang="en-US" altLang="cs-CZ"/>
+          </a:p>
+        </p:txBody>
+      </p:sp>
+      <p:sp>
+        <p:nvSpPr>
+          <p:cNvPr id="6" name="Oval 6"/>
+          <p:cNvSpPr/>
+          <p:nvPr/>
+        </p:nvSpPr>
+        <p:spPr bwMode="auto">
+          <a:xfrm>
+            <a:off x="5092448" y="3775210"/>
+            <a:ext cx="428628" cy="428628"/>
+          </a:xfrm>
+          <a:prstGeom prst="ellipse">
+            <a:avLst/>
+          </a:prstGeom>
+          <a:noFill/>
+          <a:ln w="9525" cap="flat" cmpd="sng" algn="ctr">
+            <a:solidFill>
+              <a:schemeClr val="tx1"/>
+            </a:solidFill>
+            <a:prstDash val="solid"/>
+            <a:round/>
+            <a:headEnd type="none" w="med" len="med"/>
+            <a:tailEnd type="none" w="med" len="med"/>
+          </a:ln>
+          <a:effectLst/>
+        </p:spPr>
+        <p:txBody>
+          <a:bodyPr vert="horz" wrap="square" lIns="91440" tIns="45720" rIns="91440" bIns="45720" numCol="1" rtlCol="0" anchor="t" anchorCtr="0" compatLnSpc="1">
+            <a:prstTxWarp prst="textNoShape">
+              <a:avLst/>
+            </a:prstTxWarp>
+          </a:bodyPr>
+          <a:lstStyle/>
+          <a:p>
+            <a:pPr marL="342900" indent="-342900" algn="ctr">
+              <a:buNone/>
+            </a:pPr>
+            <a:r>
+              <a:rPr lang="cs-CZ" dirty="0" smtClean="0">
+                <a:solidFill>
+                  <a:schemeClr val="tx1"/>
+                </a:solidFill>
+                <a:latin typeface="Calibri" pitchFamily="34" charset="0"/>
+              </a:rPr>
+              <a:t>6</a:t>
+            </a:r>
+            <a:endParaRPr kumimoji="0" lang="cs-CZ" b="1" i="0" u="none" strike="noStrike" cap="none" normalizeH="0" baseline="0" dirty="0" smtClean="0">
+              <a:ln>
+                <a:noFill/>
+              </a:ln>
+              <a:solidFill>
+                <a:schemeClr val="tx1"/>
+              </a:solidFill>
+              <a:effectLst/>
+              <a:latin typeface="Calibri" pitchFamily="34" charset="0"/>
+            </a:endParaRPr>
+          </a:p>
+        </p:txBody>
+      </p:sp>
+      <p:sp>
+        <p:nvSpPr>
+          <p:cNvPr id="7" name="Oval 7"/>
+          <p:cNvSpPr/>
+          <p:nvPr/>
+        </p:nvSpPr>
+        <p:spPr bwMode="auto">
+          <a:xfrm>
+            <a:off x="4520944" y="4346714"/>
+            <a:ext cx="428628" cy="428628"/>
+          </a:xfrm>
+          <a:prstGeom prst="ellipse">
+            <a:avLst/>
+          </a:prstGeom>
+          <a:noFill/>
+          <a:ln w="9525" cap="flat" cmpd="sng" algn="ctr">
+            <a:solidFill>
+              <a:schemeClr val="tx1"/>
+            </a:solidFill>
+            <a:prstDash val="solid"/>
+            <a:round/>
+            <a:headEnd type="none" w="med" len="med"/>
+            <a:tailEnd type="none" w="med" len="med"/>
+          </a:ln>
+          <a:effectLst/>
+        </p:spPr>
+        <p:txBody>
+          <a:bodyPr vert="horz" wrap="square" lIns="91440" tIns="45720" rIns="91440" bIns="45720" numCol="1" rtlCol="0" anchor="t" anchorCtr="0" compatLnSpc="1">
+            <a:prstTxWarp prst="textNoShape">
+              <a:avLst/>
+            </a:prstTxWarp>
+          </a:bodyPr>
+          <a:lstStyle/>
+          <a:p>
+            <a:pPr marL="252000" marR="0" indent="-342900" algn="ctr" defTabSz="914400" rtl="0" eaLnBrk="1" fontAlgn="base" latinLnBrk="0" hangingPunct="1">
+              <a:lnSpc>
+                <a:spcPct val="100000"/>
+              </a:lnSpc>
+              <a:spcBef>
+                <a:spcPts val="0"/>
+              </a:spcBef>
+              <a:spcAft>
+                <a:spcPts val="1200"/>
+              </a:spcAft>
+              <a:buClrTx/>
+              <a:buSzTx/>
+              <a:buNone/>
+              <a:tabLst/>
+            </a:pPr>
+            <a:r>
+              <a:rPr lang="cs-CZ" dirty="0" smtClean="0">
+                <a:solidFill>
+                  <a:schemeClr val="tx1"/>
+                </a:solidFill>
+                <a:latin typeface="Calibri" pitchFamily="34" charset="0"/>
+              </a:rPr>
+              <a:t>5</a:t>
+            </a:r>
+            <a:endParaRPr kumimoji="0" lang="cs-CZ" b="1" i="0" u="none" strike="noStrike" cap="none" normalizeH="0" baseline="0" dirty="0" smtClean="0">
+              <a:ln>
+                <a:noFill/>
+              </a:ln>
+              <a:solidFill>
+                <a:schemeClr val="tx1"/>
+              </a:solidFill>
+              <a:effectLst/>
+              <a:latin typeface="Calibri" pitchFamily="34" charset="0"/>
+            </a:endParaRPr>
+          </a:p>
+        </p:txBody>
+      </p:sp>
+      <p:sp>
+        <p:nvSpPr>
+          <p:cNvPr id="8" name="Oval 8"/>
+          <p:cNvSpPr/>
+          <p:nvPr/>
+        </p:nvSpPr>
+        <p:spPr bwMode="auto">
+          <a:xfrm>
+            <a:off x="4235192" y="4989656"/>
+            <a:ext cx="428628" cy="428628"/>
+          </a:xfrm>
+          <a:prstGeom prst="ellipse">
+            <a:avLst/>
+          </a:prstGeom>
+          <a:noFill/>
+          <a:ln w="9525" cap="flat" cmpd="sng" algn="ctr">
+            <a:solidFill>
+              <a:schemeClr val="tx1"/>
+            </a:solidFill>
+            <a:prstDash val="solid"/>
+            <a:round/>
+            <a:headEnd type="none" w="med" len="med"/>
+            <a:tailEnd type="none" w="med" len="med"/>
+          </a:ln>
+          <a:effectLst/>
+        </p:spPr>
+        <p:txBody>
+          <a:bodyPr vert="horz" wrap="square" lIns="91440" tIns="45720" rIns="91440" bIns="45720" numCol="1" rtlCol="0" anchor="t" anchorCtr="0" compatLnSpc="1">
+            <a:prstTxWarp prst="textNoShape">
+              <a:avLst/>
+            </a:prstTxWarp>
+          </a:bodyPr>
+          <a:lstStyle/>
+          <a:p>
+            <a:pPr marL="342900" marR="0" indent="-342900" algn="ctr" defTabSz="914400" rtl="0" eaLnBrk="1" fontAlgn="base" latinLnBrk="0" hangingPunct="1">
+              <a:lnSpc>
+                <a:spcPct val="100000"/>
+              </a:lnSpc>
+              <a:spcBef>
+                <a:spcPct val="20000"/>
+              </a:spcBef>
+              <a:spcAft>
+                <a:spcPct val="0"/>
+              </a:spcAft>
+              <a:buClrTx/>
+              <a:buSzTx/>
+              <a:buNone/>
+              <a:tabLst/>
+            </a:pPr>
+            <a:r>
+              <a:rPr lang="cs-CZ" dirty="0" smtClean="0">
+                <a:solidFill>
+                  <a:schemeClr val="tx1"/>
+                </a:solidFill>
+                <a:latin typeface="Calibri" pitchFamily="34" charset="0"/>
+              </a:rPr>
+              <a:t>4</a:t>
+            </a:r>
+            <a:endParaRPr kumimoji="0" lang="cs-CZ" b="1" i="0" u="none" strike="noStrike" cap="none" normalizeH="0" baseline="0" dirty="0" smtClean="0">
+              <a:ln>
+                <a:noFill/>
+              </a:ln>
+              <a:solidFill>
+                <a:schemeClr val="tx1"/>
+              </a:solidFill>
+              <a:effectLst/>
+              <a:latin typeface="Calibri" pitchFamily="34" charset="0"/>
+            </a:endParaRPr>
+          </a:p>
+        </p:txBody>
+      </p:sp>
+      <p:sp>
+        <p:nvSpPr>
+          <p:cNvPr id="9" name="Oval 9"/>
+          <p:cNvSpPr/>
+          <p:nvPr/>
+        </p:nvSpPr>
+        <p:spPr bwMode="auto">
+          <a:xfrm>
+            <a:off x="5663952" y="4346714"/>
+            <a:ext cx="428628" cy="428628"/>
+          </a:xfrm>
+          <a:prstGeom prst="ellipse">
+            <a:avLst/>
+          </a:prstGeom>
+          <a:noFill/>
+          <a:ln w="9525" cap="flat" cmpd="sng" algn="ctr">
+            <a:solidFill>
+              <a:schemeClr val="tx1"/>
+            </a:solidFill>
+            <a:prstDash val="solid"/>
+            <a:round/>
+            <a:headEnd type="none" w="med" len="med"/>
+            <a:tailEnd type="none" w="med" len="med"/>
+          </a:ln>
+          <a:effectLst/>
+        </p:spPr>
+        <p:txBody>
+          <a:bodyPr vert="horz" wrap="square" lIns="91440" tIns="45720" rIns="91440" bIns="45720" numCol="1" rtlCol="0" anchor="t" anchorCtr="0" compatLnSpc="1">
+            <a:prstTxWarp prst="textNoShape">
+              <a:avLst/>
+            </a:prstTxWarp>
+          </a:bodyPr>
+          <a:lstStyle/>
+          <a:p>
+            <a:pPr marL="342900" marR="0" indent="-342900" algn="ctr" defTabSz="914400" rtl="0" eaLnBrk="1" fontAlgn="base" latinLnBrk="0" hangingPunct="1">
+              <a:lnSpc>
+                <a:spcPct val="100000"/>
+              </a:lnSpc>
+              <a:spcBef>
+                <a:spcPct val="20000"/>
+              </a:spcBef>
+              <a:spcAft>
+                <a:spcPct val="0"/>
+              </a:spcAft>
+              <a:buClrTx/>
+              <a:buSzTx/>
+              <a:buNone/>
+              <a:tabLst/>
+            </a:pPr>
+            <a:r>
+              <a:rPr lang="cs-CZ" dirty="0" smtClean="0">
+                <a:solidFill>
+                  <a:schemeClr val="tx1"/>
+                </a:solidFill>
+                <a:latin typeface="Calibri" pitchFamily="34" charset="0"/>
+              </a:rPr>
+              <a:t>8</a:t>
+            </a:r>
+            <a:endParaRPr kumimoji="0" lang="cs-CZ" b="1" i="0" u="none" strike="noStrike" cap="none" normalizeH="0" baseline="0" dirty="0" smtClean="0">
+              <a:ln>
+                <a:noFill/>
+              </a:ln>
+              <a:solidFill>
+                <a:schemeClr val="tx1"/>
+              </a:solidFill>
+              <a:effectLst/>
+              <a:latin typeface="Calibri" pitchFamily="34" charset="0"/>
+            </a:endParaRPr>
+          </a:p>
+        </p:txBody>
+      </p:sp>
+      <p:sp>
+        <p:nvSpPr>
+          <p:cNvPr id="10" name="Oval 10"/>
+          <p:cNvSpPr/>
+          <p:nvPr/>
+        </p:nvSpPr>
+        <p:spPr bwMode="auto">
+          <a:xfrm>
+            <a:off x="4806696" y="4989656"/>
+            <a:ext cx="428628" cy="428628"/>
+          </a:xfrm>
+          <a:prstGeom prst="ellipse">
+            <a:avLst/>
+          </a:prstGeom>
+          <a:noFill/>
+          <a:ln w="9525" cap="flat" cmpd="sng" algn="ctr">
+            <a:solidFill>
+              <a:schemeClr val="tx1"/>
+            </a:solidFill>
+            <a:prstDash val="solid"/>
+            <a:round/>
+            <a:headEnd type="none" w="med" len="med"/>
+            <a:tailEnd type="none" w="med" len="med"/>
+          </a:ln>
+          <a:effectLst/>
+        </p:spPr>
+        <p:txBody>
+          <a:bodyPr vert="horz" wrap="square" lIns="91440" tIns="45720" rIns="91440" bIns="45720" numCol="1" rtlCol="0" anchor="t" anchorCtr="0" compatLnSpc="1">
+            <a:prstTxWarp prst="textNoShape">
+              <a:avLst/>
+            </a:prstTxWarp>
+          </a:bodyPr>
+          <a:lstStyle/>
+          <a:p>
+            <a:pPr marL="342900" marR="0" indent="-342900" algn="ctr" defTabSz="914400" rtl="0" eaLnBrk="1" fontAlgn="base" latinLnBrk="0" hangingPunct="1">
+              <a:lnSpc>
+                <a:spcPct val="100000"/>
+              </a:lnSpc>
+              <a:spcBef>
+                <a:spcPct val="20000"/>
+              </a:spcBef>
+              <a:spcAft>
+                <a:spcPct val="0"/>
+              </a:spcAft>
+              <a:buClrTx/>
+              <a:buSzTx/>
+              <a:buNone/>
+              <a:tabLst/>
+            </a:pPr>
+            <a:r>
+              <a:rPr lang="cs-CZ" dirty="0" smtClean="0">
+                <a:solidFill>
+                  <a:schemeClr val="tx1"/>
+                </a:solidFill>
+                <a:latin typeface="Calibri" pitchFamily="34" charset="0"/>
+              </a:rPr>
+              <a:t>3</a:t>
+            </a:r>
+            <a:endParaRPr kumimoji="0" lang="cs-CZ" b="1" i="0" u="none" strike="noStrike" cap="none" normalizeH="0" baseline="0" dirty="0" smtClean="0">
+              <a:ln>
+                <a:noFill/>
+              </a:ln>
+              <a:solidFill>
+                <a:schemeClr val="tx1"/>
+              </a:solidFill>
+              <a:effectLst/>
+              <a:latin typeface="Calibri" pitchFamily="34" charset="0"/>
+            </a:endParaRPr>
+          </a:p>
+        </p:txBody>
+      </p:sp>
+      <p:sp>
+        <p:nvSpPr>
+          <p:cNvPr id="11" name="Oval 11"/>
+          <p:cNvSpPr/>
+          <p:nvPr/>
+        </p:nvSpPr>
+        <p:spPr bwMode="auto">
+          <a:xfrm>
+            <a:off x="5378200" y="4989656"/>
+            <a:ext cx="428628" cy="428628"/>
+          </a:xfrm>
+          <a:prstGeom prst="ellipse">
+            <a:avLst/>
+          </a:prstGeom>
+          <a:noFill/>
+          <a:ln w="9525" cap="flat" cmpd="sng" algn="ctr">
+            <a:solidFill>
+              <a:schemeClr val="tx1"/>
+            </a:solidFill>
+            <a:prstDash val="solid"/>
+            <a:round/>
+            <a:headEnd type="none" w="med" len="med"/>
+            <a:tailEnd type="none" w="med" len="med"/>
+          </a:ln>
+          <a:effectLst/>
+        </p:spPr>
+        <p:txBody>
+          <a:bodyPr vert="horz" wrap="square" lIns="91440" tIns="45720" rIns="91440" bIns="45720" numCol="1" rtlCol="0" anchor="t" anchorCtr="0" compatLnSpc="1">
+            <a:prstTxWarp prst="textNoShape">
+              <a:avLst/>
+            </a:prstTxWarp>
+          </a:bodyPr>
+          <a:lstStyle/>
+          <a:p>
+            <a:pPr marL="342900" marR="0" indent="-342900" algn="ctr" defTabSz="914400" rtl="0" eaLnBrk="1" fontAlgn="base" latinLnBrk="0" hangingPunct="1">
+              <a:lnSpc>
+                <a:spcPct val="100000"/>
+              </a:lnSpc>
+              <a:spcBef>
+                <a:spcPct val="20000"/>
+              </a:spcBef>
+              <a:spcAft>
+                <a:spcPct val="0"/>
+              </a:spcAft>
+              <a:buClrTx/>
+              <a:buSzTx/>
+              <a:buNone/>
+              <a:tabLst/>
+            </a:pPr>
+            <a:r>
+              <a:rPr lang="cs-CZ" dirty="0" smtClean="0">
+                <a:solidFill>
+                  <a:schemeClr val="tx1"/>
+                </a:solidFill>
+                <a:latin typeface="Calibri" pitchFamily="34" charset="0"/>
+              </a:rPr>
+              <a:t>1</a:t>
+            </a:r>
+            <a:endParaRPr kumimoji="0" lang="cs-CZ" b="1" i="0" u="none" strike="noStrike" cap="none" normalizeH="0" baseline="0" dirty="0" smtClean="0">
+              <a:ln>
+                <a:noFill/>
+              </a:ln>
+              <a:solidFill>
+                <a:schemeClr val="tx1"/>
+              </a:solidFill>
+              <a:effectLst/>
+              <a:latin typeface="Calibri" pitchFamily="34" charset="0"/>
+            </a:endParaRPr>
+          </a:p>
+        </p:txBody>
+      </p:sp>
+      <p:sp>
+        <p:nvSpPr>
+          <p:cNvPr id="12" name="Oval 12"/>
+          <p:cNvSpPr/>
+          <p:nvPr/>
+        </p:nvSpPr>
+        <p:spPr bwMode="auto">
+          <a:xfrm>
+            <a:off x="5949704" y="4989656"/>
+            <a:ext cx="428628" cy="428628"/>
+          </a:xfrm>
+          <a:prstGeom prst="ellipse">
+            <a:avLst/>
+          </a:prstGeom>
+          <a:noFill/>
+          <a:ln w="9525" cap="flat" cmpd="sng" algn="ctr">
+            <a:solidFill>
+              <a:schemeClr val="tx1"/>
+            </a:solidFill>
+            <a:prstDash val="solid"/>
+            <a:round/>
+            <a:headEnd type="none" w="med" len="med"/>
+            <a:tailEnd type="none" w="med" len="med"/>
+          </a:ln>
+          <a:effectLst/>
+        </p:spPr>
+        <p:txBody>
+          <a:bodyPr vert="horz" wrap="square" lIns="91440" tIns="45720" rIns="91440" bIns="45720" numCol="1" rtlCol="0" anchor="t" anchorCtr="0" compatLnSpc="1">
+            <a:prstTxWarp prst="textNoShape">
+              <a:avLst/>
+            </a:prstTxWarp>
+          </a:bodyPr>
+          <a:lstStyle/>
+          <a:p>
+            <a:pPr marL="342900" marR="0" indent="-342900" algn="ctr" defTabSz="914400" rtl="0" eaLnBrk="1" fontAlgn="base" latinLnBrk="0" hangingPunct="1">
+              <a:lnSpc>
+                <a:spcPct val="100000"/>
+              </a:lnSpc>
+              <a:spcBef>
+                <a:spcPct val="20000"/>
+              </a:spcBef>
+              <a:spcAft>
+                <a:spcPct val="0"/>
+              </a:spcAft>
+              <a:buClrTx/>
+              <a:buSzTx/>
+              <a:buNone/>
+              <a:tabLst/>
+            </a:pPr>
+            <a:r>
+              <a:rPr lang="cs-CZ" dirty="0" smtClean="0">
+                <a:solidFill>
+                  <a:schemeClr val="tx1"/>
+                </a:solidFill>
+                <a:latin typeface="Calibri" pitchFamily="34" charset="0"/>
+              </a:rPr>
+              <a:t>2</a:t>
+            </a:r>
+            <a:endParaRPr kumimoji="0" lang="cs-CZ" b="1" i="0" u="none" strike="noStrike" cap="none" normalizeH="0" baseline="0" dirty="0" smtClean="0">
+              <a:ln>
+                <a:noFill/>
+              </a:ln>
+              <a:solidFill>
+                <a:schemeClr val="tx1"/>
+              </a:solidFill>
+              <a:effectLst/>
+              <a:latin typeface="Calibri" pitchFamily="34" charset="0"/>
+            </a:endParaRPr>
+          </a:p>
+        </p:txBody>
+      </p:sp>
+      <p:sp>
+        <p:nvSpPr>
+          <p:cNvPr id="13" name="Oval 13"/>
+          <p:cNvSpPr/>
+          <p:nvPr/>
+        </p:nvSpPr>
+        <p:spPr bwMode="auto">
+          <a:xfrm>
+            <a:off x="4020878" y="5632598"/>
+            <a:ext cx="428628" cy="428628"/>
+          </a:xfrm>
+          <a:prstGeom prst="ellipse">
+            <a:avLst/>
+          </a:prstGeom>
+          <a:noFill/>
+          <a:ln w="9525" cap="flat" cmpd="sng" algn="ctr">
+            <a:solidFill>
+              <a:schemeClr val="tx1"/>
+            </a:solidFill>
+            <a:prstDash val="solid"/>
+            <a:round/>
+            <a:headEnd type="none" w="med" len="med"/>
+            <a:tailEnd type="none" w="med" len="med"/>
+          </a:ln>
+          <a:effectLst/>
+        </p:spPr>
+        <p:txBody>
+          <a:bodyPr vert="horz" wrap="square" lIns="91440" tIns="45720" rIns="91440" bIns="45720" numCol="1" rtlCol="0" anchor="t" anchorCtr="0" compatLnSpc="1">
+            <a:prstTxWarp prst="textNoShape">
+              <a:avLst/>
+            </a:prstTxWarp>
+          </a:bodyPr>
+          <a:lstStyle/>
+          <a:p>
+            <a:pPr marL="342900" marR="0" indent="-342900" algn="ctr" defTabSz="914400" rtl="0" eaLnBrk="1" fontAlgn="base" latinLnBrk="0" hangingPunct="1">
+              <a:lnSpc>
+                <a:spcPct val="100000"/>
+              </a:lnSpc>
+              <a:spcBef>
+                <a:spcPct val="20000"/>
+              </a:spcBef>
+              <a:spcAft>
+                <a:spcPct val="0"/>
+              </a:spcAft>
+              <a:buClrTx/>
+              <a:buSzTx/>
+              <a:buNone/>
+              <a:tabLst/>
+            </a:pPr>
+            <a:r>
+              <a:rPr lang="cs-CZ" dirty="0" smtClean="0">
+                <a:solidFill>
+                  <a:schemeClr val="tx1"/>
+                </a:solidFill>
+                <a:latin typeface="Calibri" pitchFamily="34" charset="0"/>
+              </a:rPr>
+              <a:t>7</a:t>
+            </a:r>
+            <a:endParaRPr kumimoji="0" lang="cs-CZ" b="1" i="0" u="none" strike="noStrike" cap="none" normalizeH="0" baseline="0" dirty="0" smtClean="0">
+              <a:ln>
+                <a:noFill/>
+              </a:ln>
+              <a:solidFill>
+                <a:schemeClr val="tx1"/>
+              </a:solidFill>
+              <a:effectLst/>
+              <a:latin typeface="Calibri" pitchFamily="34" charset="0"/>
+            </a:endParaRPr>
+          </a:p>
+        </p:txBody>
+      </p:sp>
+      <p:cxnSp>
+        <p:nvCxnSpPr>
+          <p:cNvPr id="14" name="Straight Connector 15"/>
+          <p:cNvCxnSpPr>
+            <a:stCxn id="6" idx="3"/>
+            <a:endCxn id="7" idx="0"/>
+          </p:cNvCxnSpPr>
+          <p:nvPr/>
+        </p:nvCxnSpPr>
+        <p:spPr bwMode="auto">
+          <a:xfrm rot="5400000">
+            <a:off x="4842416" y="4033910"/>
+            <a:ext cx="205647" cy="419961"/>
+          </a:xfrm>
+          <a:prstGeom prst="line">
+            <a:avLst/>
+          </a:prstGeom>
+          <a:noFill/>
+          <a:ln w="9525" cap="flat" cmpd="sng" algn="ctr">
+            <a:solidFill>
+              <a:schemeClr val="tx1"/>
+            </a:solidFill>
+            <a:prstDash val="solid"/>
+            <a:round/>
+            <a:headEnd type="none" w="med" len="med"/>
+            <a:tailEnd type="none" w="med" len="med"/>
+          </a:ln>
+          <a:effectLst/>
+        </p:spPr>
+      </p:cxnSp>
+      <p:cxnSp>
+        <p:nvCxnSpPr>
+          <p:cNvPr id="15" name="Straight Connector 16"/>
+          <p:cNvCxnSpPr>
+            <a:stCxn id="6" idx="5"/>
+            <a:endCxn id="9" idx="0"/>
+          </p:cNvCxnSpPr>
+          <p:nvPr/>
+        </p:nvCxnSpPr>
+        <p:spPr bwMode="auto">
+          <a:xfrm rot="16200000" flipH="1">
+            <a:off x="5565462" y="4033909"/>
+            <a:ext cx="205647" cy="419961"/>
+          </a:xfrm>
+          <a:prstGeom prst="line">
+            <a:avLst/>
+          </a:prstGeom>
+          <a:noFill/>
+          <a:ln w="9525" cap="flat" cmpd="sng" algn="ctr">
+            <a:solidFill>
+              <a:schemeClr val="tx1"/>
+            </a:solidFill>
+            <a:prstDash val="solid"/>
+            <a:round/>
+            <a:headEnd type="none" w="med" len="med"/>
+            <a:tailEnd type="none" w="med" len="med"/>
+          </a:ln>
+          <a:effectLst/>
+        </p:spPr>
+      </p:cxnSp>
+      <p:cxnSp>
+        <p:nvCxnSpPr>
+          <p:cNvPr id="16" name="Straight Connector 19"/>
+          <p:cNvCxnSpPr>
+            <a:stCxn id="7" idx="3"/>
+            <a:endCxn id="8" idx="0"/>
+          </p:cNvCxnSpPr>
+          <p:nvPr/>
+        </p:nvCxnSpPr>
+        <p:spPr bwMode="auto">
+          <a:xfrm rot="5400000">
+            <a:off x="4378069" y="4784009"/>
+            <a:ext cx="277085" cy="134209"/>
+          </a:xfrm>
+          <a:prstGeom prst="line">
+            <a:avLst/>
+          </a:prstGeom>
+          <a:noFill/>
+          <a:ln w="9525" cap="flat" cmpd="sng" algn="ctr">
+            <a:solidFill>
+              <a:schemeClr val="tx1"/>
+            </a:solidFill>
+            <a:prstDash val="solid"/>
+            <a:round/>
+            <a:headEnd type="none" w="med" len="med"/>
+            <a:tailEnd type="none" w="med" len="med"/>
+          </a:ln>
+          <a:effectLst/>
+        </p:spPr>
+      </p:cxnSp>
+      <p:cxnSp>
+        <p:nvCxnSpPr>
+          <p:cNvPr id="17" name="Straight Connector 22"/>
+          <p:cNvCxnSpPr>
+            <a:stCxn id="7" idx="5"/>
+            <a:endCxn id="10" idx="0"/>
+          </p:cNvCxnSpPr>
+          <p:nvPr/>
+        </p:nvCxnSpPr>
+        <p:spPr bwMode="auto">
+          <a:xfrm rot="16200000" flipH="1">
+            <a:off x="4815363" y="4784008"/>
+            <a:ext cx="277085" cy="134209"/>
+          </a:xfrm>
+          <a:prstGeom prst="line">
+            <a:avLst/>
+          </a:prstGeom>
+          <a:noFill/>
+          <a:ln w="9525" cap="flat" cmpd="sng" algn="ctr">
+            <a:solidFill>
+              <a:schemeClr val="tx1"/>
+            </a:solidFill>
+            <a:prstDash val="solid"/>
+            <a:round/>
+            <a:headEnd type="none" w="med" len="med"/>
+            <a:tailEnd type="none" w="med" len="med"/>
+          </a:ln>
+          <a:effectLst/>
+        </p:spPr>
+      </p:cxnSp>
+      <p:cxnSp>
+        <p:nvCxnSpPr>
+          <p:cNvPr id="18" name="Straight Connector 25"/>
+          <p:cNvCxnSpPr>
+            <a:stCxn id="9" idx="3"/>
+            <a:endCxn id="11" idx="0"/>
+          </p:cNvCxnSpPr>
+          <p:nvPr/>
+        </p:nvCxnSpPr>
+        <p:spPr bwMode="auto">
+          <a:xfrm rot="5400000">
+            <a:off x="5521077" y="4784009"/>
+            <a:ext cx="277085" cy="134209"/>
+          </a:xfrm>
+          <a:prstGeom prst="line">
+            <a:avLst/>
+          </a:prstGeom>
+          <a:noFill/>
+          <a:ln w="9525" cap="flat" cmpd="sng" algn="ctr">
+            <a:solidFill>
+              <a:schemeClr val="tx1"/>
+            </a:solidFill>
+            <a:prstDash val="solid"/>
+            <a:round/>
+            <a:headEnd type="none" w="med" len="med"/>
+            <a:tailEnd type="none" w="med" len="med"/>
+          </a:ln>
+          <a:effectLst/>
+        </p:spPr>
+      </p:cxnSp>
+      <p:cxnSp>
+        <p:nvCxnSpPr>
+          <p:cNvPr id="19" name="Straight Connector 30"/>
+          <p:cNvCxnSpPr>
+            <a:stCxn id="9" idx="5"/>
+            <a:endCxn id="12" idx="0"/>
+          </p:cNvCxnSpPr>
+          <p:nvPr/>
+        </p:nvCxnSpPr>
+        <p:spPr bwMode="auto">
+          <a:xfrm rot="16200000" flipH="1">
+            <a:off x="5958371" y="4784008"/>
+            <a:ext cx="277085" cy="134209"/>
+          </a:xfrm>
+          <a:prstGeom prst="line">
+            <a:avLst/>
+          </a:prstGeom>
+          <a:noFill/>
+          <a:ln w="9525" cap="flat" cmpd="sng" algn="ctr">
+            <a:solidFill>
+              <a:schemeClr val="tx1"/>
+            </a:solidFill>
+            <a:prstDash val="solid"/>
+            <a:round/>
+            <a:headEnd type="none" w="med" len="med"/>
+            <a:tailEnd type="none" w="med" len="med"/>
+          </a:ln>
+          <a:effectLst/>
+        </p:spPr>
+      </p:cxnSp>
+      <p:cxnSp>
+        <p:nvCxnSpPr>
+          <p:cNvPr id="20" name="Straight Connector 33"/>
+          <p:cNvCxnSpPr>
+            <a:stCxn id="8" idx="3"/>
+            <a:endCxn id="13" idx="0"/>
+          </p:cNvCxnSpPr>
+          <p:nvPr/>
+        </p:nvCxnSpPr>
+        <p:spPr bwMode="auto">
+          <a:xfrm rot="5400000">
+            <a:off x="4128036" y="5462670"/>
+            <a:ext cx="277085" cy="62771"/>
+          </a:xfrm>
+          <a:prstGeom prst="line">
+            <a:avLst/>
+          </a:prstGeom>
+          <a:noFill/>
+          <a:ln w="9525" cap="flat" cmpd="sng" algn="ctr">
+            <a:solidFill>
+              <a:schemeClr val="tx1"/>
+            </a:solidFill>
+            <a:prstDash val="solid"/>
+            <a:round/>
+            <a:headEnd type="none" w="med" len="med"/>
+            <a:tailEnd type="none" w="med" len="med"/>
+          </a:ln>
+          <a:effectLst/>
+        </p:spPr>
+      </p:cxnSp>
+      <p:cxnSp>
+        <p:nvCxnSpPr>
+          <p:cNvPr id="21" name="Curved Connector 48"/>
+          <p:cNvCxnSpPr>
+            <a:stCxn id="9" idx="7"/>
+          </p:cNvCxnSpPr>
+          <p:nvPr/>
+        </p:nvCxnSpPr>
+        <p:spPr bwMode="auto">
+          <a:xfrm rot="16200000" flipV="1">
+            <a:off x="5565463" y="3945138"/>
+            <a:ext cx="419961" cy="508733"/>
+          </a:xfrm>
+          <a:prstGeom prst="curvedConnector2">
+            <a:avLst/>
+          </a:prstGeom>
+          <a:noFill/>
+          <a:ln w="9525" cap="flat" cmpd="sng" algn="ctr">
+            <a:solidFill>
+              <a:schemeClr val="tx1"/>
+            </a:solidFill>
+            <a:prstDash val="solid"/>
+            <a:round/>
+            <a:headEnd type="arrow" w="med" len="med"/>
+            <a:tailEnd type="arrow"/>
+          </a:ln>
+          <a:effectLst/>
+        </p:spPr>
+      </p:cxnSp>
+      <p:sp>
+        <p:nvSpPr>
+          <p:cNvPr id="22" name="TextBox 54"/>
+          <p:cNvSpPr txBox="1"/>
+          <p:nvPr/>
+        </p:nvSpPr>
+        <p:spPr>
+          <a:xfrm>
+            <a:off x="5949704" y="3918086"/>
+            <a:ext cx="642227" cy="307777"/>
+          </a:xfrm>
+          <a:prstGeom prst="rect">
+            <a:avLst/>
+          </a:prstGeom>
+          <a:noFill/>
+        </p:spPr>
+        <p:txBody>
+          <a:bodyPr wrap="none" rtlCol="0">
+            <a:spAutoFit/>
+          </a:bodyPr>
+          <a:lstStyle/>
+          <a:p>
+            <a:pPr>
+              <a:buNone/>
+            </a:pPr>
+            <a:r>
+              <a:rPr lang="cs-CZ" sz="1400" b="0" dirty="0" smtClean="0">
+                <a:solidFill>
+                  <a:schemeClr val="tx1"/>
+                </a:solidFill>
+                <a:latin typeface="Calibri" pitchFamily="34" charset="0"/>
+              </a:rPr>
+              <a:t>Krok 1</a:t>
+            </a:r>
+            <a:endParaRPr lang="cs-CZ" sz="1400" b="0" dirty="0">
+              <a:solidFill>
+                <a:schemeClr val="tx1"/>
+              </a:solidFill>
+              <a:latin typeface="Calibri" pitchFamily="34" charset="0"/>
+            </a:endParaRPr>
+          </a:p>
+        </p:txBody>
+      </p:sp>
+      <p:cxnSp>
+        <p:nvCxnSpPr>
+          <p:cNvPr id="23" name="Curved Connector 60"/>
+          <p:cNvCxnSpPr>
+            <a:stCxn id="13" idx="2"/>
+            <a:endCxn id="8" idx="2"/>
+          </p:cNvCxnSpPr>
+          <p:nvPr/>
+        </p:nvCxnSpPr>
+        <p:spPr bwMode="auto">
+          <a:xfrm rot="10800000" flipH="1">
+            <a:off x="4020878" y="5203970"/>
+            <a:ext cx="214314" cy="642942"/>
+          </a:xfrm>
+          <a:prstGeom prst="curvedConnector3">
+            <a:avLst>
+              <a:gd name="adj1" fmla="val -106666"/>
+            </a:avLst>
+          </a:prstGeom>
+          <a:noFill/>
+          <a:ln w="9525" cap="flat" cmpd="sng" algn="ctr">
+            <a:solidFill>
+              <a:schemeClr val="tx1"/>
+            </a:solidFill>
+            <a:prstDash val="solid"/>
+            <a:round/>
+            <a:headEnd type="arrow" w="med" len="med"/>
+            <a:tailEnd type="arrow"/>
+          </a:ln>
+          <a:effectLst/>
+        </p:spPr>
+      </p:cxnSp>
+      <p:sp>
+        <p:nvSpPr>
+          <p:cNvPr id="24" name="TextBox 70"/>
+          <p:cNvSpPr txBox="1"/>
+          <p:nvPr/>
+        </p:nvSpPr>
+        <p:spPr>
+          <a:xfrm>
+            <a:off x="3306498" y="5061094"/>
+            <a:ext cx="642227" cy="307777"/>
+          </a:xfrm>
+          <a:prstGeom prst="rect">
+            <a:avLst/>
+          </a:prstGeom>
+          <a:noFill/>
+        </p:spPr>
+        <p:txBody>
+          <a:bodyPr wrap="none" rtlCol="0">
+            <a:spAutoFit/>
+          </a:bodyPr>
+          <a:lstStyle/>
+          <a:p>
+            <a:pPr>
+              <a:buNone/>
+            </a:pPr>
+            <a:r>
+              <a:rPr lang="cs-CZ" sz="1400" b="0" dirty="0" smtClean="0">
+                <a:solidFill>
+                  <a:schemeClr val="tx1"/>
+                </a:solidFill>
+                <a:latin typeface="Calibri" pitchFamily="34" charset="0"/>
+              </a:rPr>
+              <a:t>Krok 2</a:t>
+            </a:r>
+            <a:endParaRPr lang="cs-CZ" sz="1400" b="0" dirty="0">
+              <a:solidFill>
+                <a:schemeClr val="tx1"/>
+              </a:solidFill>
+              <a:latin typeface="Calibri" pitchFamily="34" charset="0"/>
+            </a:endParaRPr>
+          </a:p>
+        </p:txBody>
+      </p:sp>
+      <p:cxnSp>
+        <p:nvCxnSpPr>
+          <p:cNvPr id="25" name="Curved Connector 72"/>
+          <p:cNvCxnSpPr>
+            <a:stCxn id="8" idx="2"/>
+            <a:endCxn id="7" idx="2"/>
+          </p:cNvCxnSpPr>
+          <p:nvPr/>
+        </p:nvCxnSpPr>
+        <p:spPr bwMode="auto">
+          <a:xfrm rot="10800000" flipH="1">
+            <a:off x="4235192" y="4561028"/>
+            <a:ext cx="285752" cy="642942"/>
+          </a:xfrm>
+          <a:prstGeom prst="curvedConnector3">
+            <a:avLst>
+              <a:gd name="adj1" fmla="val -79999"/>
+            </a:avLst>
+          </a:prstGeom>
+          <a:noFill/>
+          <a:ln w="9525" cap="flat" cmpd="sng" algn="ctr">
+            <a:solidFill>
+              <a:schemeClr val="tx1"/>
+            </a:solidFill>
+            <a:prstDash val="solid"/>
+            <a:round/>
+            <a:headEnd type="arrow" w="med" len="med"/>
+            <a:tailEnd type="arrow"/>
+          </a:ln>
+          <a:effectLst/>
+        </p:spPr>
+      </p:cxnSp>
+      <p:sp>
+        <p:nvSpPr>
+          <p:cNvPr id="26" name="TextBox 91"/>
+          <p:cNvSpPr txBox="1"/>
+          <p:nvPr/>
+        </p:nvSpPr>
+        <p:spPr>
+          <a:xfrm>
+            <a:off x="3520812" y="4418152"/>
+            <a:ext cx="642227" cy="307777"/>
+          </a:xfrm>
+          <a:prstGeom prst="rect">
+            <a:avLst/>
+          </a:prstGeom>
+          <a:noFill/>
+        </p:spPr>
+        <p:txBody>
+          <a:bodyPr wrap="none" rtlCol="0">
+            <a:spAutoFit/>
+          </a:bodyPr>
+          <a:lstStyle/>
+          <a:p>
+            <a:pPr>
+              <a:buNone/>
+            </a:pPr>
+            <a:r>
+              <a:rPr lang="cs-CZ" sz="1400" b="0" dirty="0" smtClean="0">
+                <a:solidFill>
+                  <a:schemeClr val="tx1"/>
+                </a:solidFill>
+                <a:latin typeface="Calibri" pitchFamily="34" charset="0"/>
+              </a:rPr>
+              <a:t>Krok 3</a:t>
+            </a:r>
+            <a:endParaRPr lang="cs-CZ" sz="1400" b="0" dirty="0">
+              <a:solidFill>
+                <a:schemeClr val="tx1"/>
+              </a:solidFill>
+              <a:latin typeface="Calibri" pitchFamily="34" charset="0"/>
+            </a:endParaRPr>
+          </a:p>
+        </p:txBody>
+      </p:sp>
+      <p:sp>
+        <p:nvSpPr>
+          <p:cNvPr id="27" name="Oval 92"/>
+          <p:cNvSpPr/>
+          <p:nvPr/>
+        </p:nvSpPr>
+        <p:spPr bwMode="auto">
+          <a:xfrm>
+            <a:off x="10664612" y="4418152"/>
+            <a:ext cx="428628" cy="428628"/>
+          </a:xfrm>
+          <a:prstGeom prst="ellipse">
+            <a:avLst/>
+          </a:prstGeom>
+          <a:noFill/>
+          <a:ln w="9525" cap="flat" cmpd="sng" algn="ctr">
+            <a:solidFill>
+              <a:schemeClr val="tx1"/>
+            </a:solidFill>
+            <a:prstDash val="solid"/>
+            <a:round/>
+            <a:headEnd type="none" w="med" len="med"/>
+            <a:tailEnd type="none" w="med" len="med"/>
+          </a:ln>
+          <a:effectLst/>
+        </p:spPr>
+        <p:txBody>
+          <a:bodyPr vert="horz" wrap="square" lIns="91440" tIns="45720" rIns="91440" bIns="45720" numCol="1" rtlCol="0" anchor="t" anchorCtr="0" compatLnSpc="1">
+            <a:prstTxWarp prst="textNoShape">
+              <a:avLst/>
+            </a:prstTxWarp>
+          </a:bodyPr>
+          <a:lstStyle/>
+          <a:p>
+            <a:pPr marL="342900" indent="-342900" algn="ctr">
+              <a:buNone/>
+            </a:pPr>
+            <a:r>
+              <a:rPr lang="cs-CZ" dirty="0" smtClean="0">
+                <a:solidFill>
+                  <a:schemeClr val="tx1"/>
+                </a:solidFill>
+                <a:latin typeface="Calibri" pitchFamily="34" charset="0"/>
+              </a:rPr>
+              <a:t>6</a:t>
+            </a:r>
+            <a:endParaRPr kumimoji="0" lang="cs-CZ" b="1" i="0" u="none" strike="noStrike" cap="none" normalizeH="0" baseline="0" dirty="0" smtClean="0">
+              <a:ln>
+                <a:noFill/>
+              </a:ln>
+              <a:solidFill>
+                <a:schemeClr val="tx1"/>
+              </a:solidFill>
+              <a:effectLst/>
+              <a:latin typeface="Calibri" pitchFamily="34" charset="0"/>
+            </a:endParaRPr>
+          </a:p>
+        </p:txBody>
+      </p:sp>
+      <p:sp>
+        <p:nvSpPr>
+          <p:cNvPr id="28" name="Oval 97"/>
+          <p:cNvSpPr/>
+          <p:nvPr/>
+        </p:nvSpPr>
+        <p:spPr bwMode="auto">
+          <a:xfrm>
+            <a:off x="9092976" y="4989656"/>
+            <a:ext cx="428628" cy="428628"/>
+          </a:xfrm>
+          <a:prstGeom prst="ellipse">
+            <a:avLst/>
+          </a:prstGeom>
+          <a:noFill/>
+          <a:ln w="9525" cap="flat" cmpd="sng" algn="ctr">
+            <a:solidFill>
+              <a:schemeClr val="tx1"/>
+            </a:solidFill>
+            <a:prstDash val="solid"/>
+            <a:round/>
+            <a:headEnd type="none" w="med" len="med"/>
+            <a:tailEnd type="none" w="med" len="med"/>
+          </a:ln>
+          <a:effectLst/>
+        </p:spPr>
+        <p:txBody>
+          <a:bodyPr vert="horz" wrap="square" lIns="91440" tIns="45720" rIns="91440" bIns="45720" numCol="1" rtlCol="0" anchor="t" anchorCtr="0" compatLnSpc="1">
+            <a:prstTxWarp prst="textNoShape">
+              <a:avLst/>
+            </a:prstTxWarp>
+          </a:bodyPr>
+          <a:lstStyle/>
+          <a:p>
+            <a:pPr marL="252000" marR="0" indent="-342900" algn="ctr" defTabSz="914400" rtl="0" eaLnBrk="1" fontAlgn="base" latinLnBrk="0" hangingPunct="1">
+              <a:lnSpc>
+                <a:spcPct val="100000"/>
+              </a:lnSpc>
+              <a:spcBef>
+                <a:spcPts val="0"/>
+              </a:spcBef>
+              <a:spcAft>
+                <a:spcPts val="1200"/>
+              </a:spcAft>
+              <a:buClrTx/>
+              <a:buSzTx/>
+              <a:buNone/>
+              <a:tabLst/>
+            </a:pPr>
+            <a:r>
+              <a:rPr lang="cs-CZ" dirty="0" smtClean="0">
+                <a:solidFill>
+                  <a:schemeClr val="tx1"/>
+                </a:solidFill>
+                <a:latin typeface="Calibri" pitchFamily="34" charset="0"/>
+              </a:rPr>
+              <a:t>5</a:t>
+            </a:r>
+            <a:endParaRPr kumimoji="0" lang="cs-CZ" b="1" i="0" u="none" strike="noStrike" cap="none" normalizeH="0" baseline="0" dirty="0" smtClean="0">
+              <a:ln>
+                <a:noFill/>
+              </a:ln>
+              <a:solidFill>
+                <a:schemeClr val="tx1"/>
+              </a:solidFill>
+              <a:effectLst/>
+              <a:latin typeface="Calibri" pitchFamily="34" charset="0"/>
+            </a:endParaRPr>
+          </a:p>
+        </p:txBody>
+      </p:sp>
+      <p:sp>
+        <p:nvSpPr>
+          <p:cNvPr id="29" name="Oval 98"/>
+          <p:cNvSpPr/>
+          <p:nvPr/>
+        </p:nvSpPr>
+        <p:spPr bwMode="auto">
+          <a:xfrm>
+            <a:off x="10021670" y="3846648"/>
+            <a:ext cx="428628" cy="428628"/>
+          </a:xfrm>
+          <a:prstGeom prst="ellipse">
+            <a:avLst/>
+          </a:prstGeom>
+          <a:noFill/>
+          <a:ln w="9525" cap="flat" cmpd="sng" algn="ctr">
+            <a:solidFill>
+              <a:schemeClr val="tx1"/>
+            </a:solidFill>
+            <a:prstDash val="solid"/>
+            <a:round/>
+            <a:headEnd type="none" w="med" len="med"/>
+            <a:tailEnd type="none" w="med" len="med"/>
+          </a:ln>
+          <a:effectLst/>
+        </p:spPr>
+        <p:txBody>
+          <a:bodyPr vert="horz" wrap="square" lIns="91440" tIns="45720" rIns="91440" bIns="45720" numCol="1" rtlCol="0" anchor="t" anchorCtr="0" compatLnSpc="1">
+            <a:prstTxWarp prst="textNoShape">
+              <a:avLst/>
+            </a:prstTxWarp>
+          </a:bodyPr>
+          <a:lstStyle/>
+          <a:p>
+            <a:pPr marL="342900" marR="0" indent="-342900" algn="ctr" defTabSz="914400" rtl="0" eaLnBrk="1" fontAlgn="base" latinLnBrk="0" hangingPunct="1">
+              <a:lnSpc>
+                <a:spcPct val="100000"/>
+              </a:lnSpc>
+              <a:spcBef>
+                <a:spcPct val="20000"/>
+              </a:spcBef>
+              <a:spcAft>
+                <a:spcPct val="0"/>
+              </a:spcAft>
+              <a:buClrTx/>
+              <a:buSzTx/>
+              <a:buNone/>
+              <a:tabLst/>
+            </a:pPr>
+            <a:r>
+              <a:rPr lang="cs-CZ" dirty="0" smtClean="0">
+                <a:solidFill>
+                  <a:schemeClr val="tx1"/>
+                </a:solidFill>
+                <a:latin typeface="Calibri" pitchFamily="34" charset="0"/>
+              </a:rPr>
+              <a:t>8</a:t>
+            </a:r>
+            <a:endParaRPr kumimoji="0" lang="cs-CZ" b="1" i="0" u="none" strike="noStrike" cap="none" normalizeH="0" baseline="0" dirty="0" smtClean="0">
+              <a:ln>
+                <a:noFill/>
+              </a:ln>
+              <a:solidFill>
+                <a:schemeClr val="tx1"/>
+              </a:solidFill>
+              <a:effectLst/>
+              <a:latin typeface="Calibri" pitchFamily="34" charset="0"/>
+            </a:endParaRPr>
+          </a:p>
+        </p:txBody>
+      </p:sp>
+      <p:sp>
+        <p:nvSpPr>
+          <p:cNvPr id="30" name="Oval 99"/>
+          <p:cNvSpPr/>
+          <p:nvPr/>
+        </p:nvSpPr>
+        <p:spPr bwMode="auto">
+          <a:xfrm>
+            <a:off x="9378728" y="4418152"/>
+            <a:ext cx="428628" cy="428628"/>
+          </a:xfrm>
+          <a:prstGeom prst="ellipse">
+            <a:avLst/>
+          </a:prstGeom>
+          <a:noFill/>
+          <a:ln w="9525" cap="flat" cmpd="sng" algn="ctr">
+            <a:solidFill>
+              <a:schemeClr val="tx1"/>
+            </a:solidFill>
+            <a:prstDash val="solid"/>
+            <a:round/>
+            <a:headEnd type="none" w="med" len="med"/>
+            <a:tailEnd type="none" w="med" len="med"/>
+          </a:ln>
+          <a:effectLst/>
+        </p:spPr>
+        <p:txBody>
+          <a:bodyPr vert="horz" wrap="square" lIns="91440" tIns="45720" rIns="91440" bIns="45720" numCol="1" rtlCol="0" anchor="t" anchorCtr="0" compatLnSpc="1">
+            <a:prstTxWarp prst="textNoShape">
+              <a:avLst/>
+            </a:prstTxWarp>
+          </a:bodyPr>
+          <a:lstStyle/>
+          <a:p>
+            <a:pPr marL="342900" marR="0" indent="-342900" algn="ctr" defTabSz="914400" rtl="0" eaLnBrk="1" fontAlgn="base" latinLnBrk="0" hangingPunct="1">
+              <a:lnSpc>
+                <a:spcPct val="100000"/>
+              </a:lnSpc>
+              <a:spcBef>
+                <a:spcPct val="20000"/>
+              </a:spcBef>
+              <a:spcAft>
+                <a:spcPct val="0"/>
+              </a:spcAft>
+              <a:buClrTx/>
+              <a:buSzTx/>
+              <a:buNone/>
+              <a:tabLst/>
+            </a:pPr>
+            <a:r>
+              <a:rPr lang="cs-CZ" dirty="0" smtClean="0">
+                <a:solidFill>
+                  <a:schemeClr val="tx1"/>
+                </a:solidFill>
+                <a:latin typeface="Calibri" pitchFamily="34" charset="0"/>
+              </a:rPr>
+              <a:t>7</a:t>
+            </a:r>
+            <a:endParaRPr kumimoji="0" lang="cs-CZ" b="1" i="0" u="none" strike="noStrike" cap="none" normalizeH="0" baseline="0" dirty="0" smtClean="0">
+              <a:ln>
+                <a:noFill/>
+              </a:ln>
+              <a:solidFill>
+                <a:schemeClr val="tx1"/>
+              </a:solidFill>
+              <a:effectLst/>
+              <a:latin typeface="Calibri" pitchFamily="34" charset="0"/>
+            </a:endParaRPr>
+          </a:p>
+        </p:txBody>
+      </p:sp>
+      <p:sp>
+        <p:nvSpPr>
+          <p:cNvPr id="31" name="Oval 100"/>
+          <p:cNvSpPr/>
+          <p:nvPr/>
+        </p:nvSpPr>
+        <p:spPr bwMode="auto">
+          <a:xfrm>
+            <a:off x="10378860" y="4989656"/>
+            <a:ext cx="428628" cy="428628"/>
+          </a:xfrm>
+          <a:prstGeom prst="ellipse">
+            <a:avLst/>
+          </a:prstGeom>
+          <a:noFill/>
+          <a:ln w="9525" cap="flat" cmpd="sng" algn="ctr">
+            <a:solidFill>
+              <a:schemeClr val="tx1"/>
+            </a:solidFill>
+            <a:prstDash val="solid"/>
+            <a:round/>
+            <a:headEnd type="none" w="med" len="med"/>
+            <a:tailEnd type="none" w="med" len="med"/>
+          </a:ln>
+          <a:effectLst/>
+        </p:spPr>
+        <p:txBody>
+          <a:bodyPr vert="horz" wrap="square" lIns="91440" tIns="45720" rIns="91440" bIns="45720" numCol="1" rtlCol="0" anchor="t" anchorCtr="0" compatLnSpc="1">
+            <a:prstTxWarp prst="textNoShape">
+              <a:avLst/>
+            </a:prstTxWarp>
+          </a:bodyPr>
+          <a:lstStyle/>
+          <a:p>
+            <a:pPr marL="342900" marR="0" indent="-342900" algn="ctr" defTabSz="914400" rtl="0" eaLnBrk="1" fontAlgn="base" latinLnBrk="0" hangingPunct="1">
+              <a:lnSpc>
+                <a:spcPct val="100000"/>
+              </a:lnSpc>
+              <a:spcBef>
+                <a:spcPct val="20000"/>
+              </a:spcBef>
+              <a:spcAft>
+                <a:spcPct val="0"/>
+              </a:spcAft>
+              <a:buClrTx/>
+              <a:buSzTx/>
+              <a:buNone/>
+              <a:tabLst/>
+            </a:pPr>
+            <a:r>
+              <a:rPr lang="cs-CZ" dirty="0" smtClean="0">
+                <a:solidFill>
+                  <a:schemeClr val="tx1"/>
+                </a:solidFill>
+                <a:latin typeface="Calibri" pitchFamily="34" charset="0"/>
+              </a:rPr>
+              <a:t>1</a:t>
+            </a:r>
+            <a:endParaRPr kumimoji="0" lang="cs-CZ" b="1" i="0" u="none" strike="noStrike" cap="none" normalizeH="0" baseline="0" dirty="0" smtClean="0">
+              <a:ln>
+                <a:noFill/>
+              </a:ln>
+              <a:solidFill>
+                <a:schemeClr val="tx1"/>
+              </a:solidFill>
+              <a:effectLst/>
+              <a:latin typeface="Calibri" pitchFamily="34" charset="0"/>
+            </a:endParaRPr>
+          </a:p>
+        </p:txBody>
+      </p:sp>
+      <p:sp>
+        <p:nvSpPr>
+          <p:cNvPr id="32" name="Oval 101"/>
+          <p:cNvSpPr/>
+          <p:nvPr/>
+        </p:nvSpPr>
+        <p:spPr bwMode="auto">
+          <a:xfrm>
+            <a:off x="11021802" y="4989656"/>
+            <a:ext cx="428628" cy="428628"/>
+          </a:xfrm>
+          <a:prstGeom prst="ellipse">
+            <a:avLst/>
+          </a:prstGeom>
+          <a:noFill/>
+          <a:ln w="9525" cap="flat" cmpd="sng" algn="ctr">
+            <a:solidFill>
+              <a:schemeClr val="tx1"/>
+            </a:solidFill>
+            <a:prstDash val="solid"/>
+            <a:round/>
+            <a:headEnd type="none" w="med" len="med"/>
+            <a:tailEnd type="none" w="med" len="med"/>
+          </a:ln>
+          <a:effectLst/>
+        </p:spPr>
+        <p:txBody>
+          <a:bodyPr vert="horz" wrap="square" lIns="91440" tIns="45720" rIns="91440" bIns="45720" numCol="1" rtlCol="0" anchor="t" anchorCtr="0" compatLnSpc="1">
+            <a:prstTxWarp prst="textNoShape">
+              <a:avLst/>
+            </a:prstTxWarp>
+          </a:bodyPr>
+          <a:lstStyle/>
+          <a:p>
+            <a:pPr marL="342900" marR="0" indent="-342900" algn="ctr" defTabSz="914400" rtl="0" eaLnBrk="1" fontAlgn="base" latinLnBrk="0" hangingPunct="1">
+              <a:lnSpc>
+                <a:spcPct val="100000"/>
+              </a:lnSpc>
+              <a:spcBef>
+                <a:spcPct val="20000"/>
+              </a:spcBef>
+              <a:spcAft>
+                <a:spcPct val="0"/>
+              </a:spcAft>
+              <a:buClrTx/>
+              <a:buSzTx/>
+              <a:buNone/>
+              <a:tabLst/>
+            </a:pPr>
+            <a:r>
+              <a:rPr lang="cs-CZ" dirty="0" smtClean="0">
+                <a:solidFill>
+                  <a:schemeClr val="tx1"/>
+                </a:solidFill>
+                <a:latin typeface="Calibri" pitchFamily="34" charset="0"/>
+              </a:rPr>
+              <a:t>2</a:t>
+            </a:r>
+            <a:endParaRPr kumimoji="0" lang="cs-CZ" b="1" i="0" u="none" strike="noStrike" cap="none" normalizeH="0" baseline="0" dirty="0" smtClean="0">
+              <a:ln>
+                <a:noFill/>
+              </a:ln>
+              <a:solidFill>
+                <a:schemeClr val="tx1"/>
+              </a:solidFill>
+              <a:effectLst/>
+              <a:latin typeface="Calibri" pitchFamily="34" charset="0"/>
+            </a:endParaRPr>
+          </a:p>
+        </p:txBody>
+      </p:sp>
+      <p:sp>
+        <p:nvSpPr>
+          <p:cNvPr id="33" name="Oval 102"/>
+          <p:cNvSpPr/>
+          <p:nvPr/>
+        </p:nvSpPr>
+        <p:spPr bwMode="auto">
+          <a:xfrm>
+            <a:off x="9664480" y="4989656"/>
+            <a:ext cx="428628" cy="428628"/>
+          </a:xfrm>
+          <a:prstGeom prst="ellipse">
+            <a:avLst/>
+          </a:prstGeom>
+          <a:noFill/>
+          <a:ln w="9525" cap="flat" cmpd="sng" algn="ctr">
+            <a:solidFill>
+              <a:schemeClr val="tx1"/>
+            </a:solidFill>
+            <a:prstDash val="solid"/>
+            <a:round/>
+            <a:headEnd type="none" w="med" len="med"/>
+            <a:tailEnd type="none" w="med" len="med"/>
+          </a:ln>
+          <a:effectLst/>
+        </p:spPr>
+        <p:txBody>
+          <a:bodyPr vert="horz" wrap="square" lIns="91440" tIns="45720" rIns="91440" bIns="45720" numCol="1" rtlCol="0" anchor="t" anchorCtr="0" compatLnSpc="1">
+            <a:prstTxWarp prst="textNoShape">
+              <a:avLst/>
+            </a:prstTxWarp>
+          </a:bodyPr>
+          <a:lstStyle/>
+          <a:p>
+            <a:pPr marL="342900" marR="0" indent="-342900" algn="ctr" defTabSz="914400" rtl="0" eaLnBrk="1" fontAlgn="base" latinLnBrk="0" hangingPunct="1">
+              <a:lnSpc>
+                <a:spcPct val="100000"/>
+              </a:lnSpc>
+              <a:spcBef>
+                <a:spcPct val="20000"/>
+              </a:spcBef>
+              <a:spcAft>
+                <a:spcPct val="0"/>
+              </a:spcAft>
+              <a:buClrTx/>
+              <a:buSzTx/>
+              <a:buNone/>
+              <a:tabLst/>
+            </a:pPr>
+            <a:r>
+              <a:rPr lang="cs-CZ" dirty="0" smtClean="0">
+                <a:solidFill>
+                  <a:schemeClr val="tx1"/>
+                </a:solidFill>
+                <a:latin typeface="Calibri" pitchFamily="34" charset="0"/>
+              </a:rPr>
+              <a:t>3</a:t>
+            </a:r>
+            <a:endParaRPr kumimoji="0" lang="cs-CZ" b="1" i="0" u="none" strike="noStrike" cap="none" normalizeH="0" baseline="0" dirty="0" smtClean="0">
+              <a:ln>
+                <a:noFill/>
+              </a:ln>
+              <a:solidFill>
+                <a:schemeClr val="tx1"/>
+              </a:solidFill>
+              <a:effectLst/>
+              <a:latin typeface="Calibri" pitchFamily="34" charset="0"/>
+            </a:endParaRPr>
+          </a:p>
+        </p:txBody>
+      </p:sp>
+      <p:sp>
+        <p:nvSpPr>
+          <p:cNvPr id="34" name="Oval 103"/>
+          <p:cNvSpPr/>
+          <p:nvPr/>
+        </p:nvSpPr>
+        <p:spPr bwMode="auto">
+          <a:xfrm>
+            <a:off x="8878662" y="5632598"/>
+            <a:ext cx="428628" cy="428628"/>
+          </a:xfrm>
+          <a:prstGeom prst="ellipse">
+            <a:avLst/>
+          </a:prstGeom>
+          <a:noFill/>
+          <a:ln w="9525" cap="flat" cmpd="sng" algn="ctr">
+            <a:solidFill>
+              <a:schemeClr val="tx1"/>
+            </a:solidFill>
+            <a:prstDash val="solid"/>
+            <a:round/>
+            <a:headEnd type="none" w="med" len="med"/>
+            <a:tailEnd type="none" w="med" len="med"/>
+          </a:ln>
+          <a:effectLst/>
+        </p:spPr>
+        <p:txBody>
+          <a:bodyPr vert="horz" wrap="square" lIns="91440" tIns="45720" rIns="91440" bIns="45720" numCol="1" rtlCol="0" anchor="t" anchorCtr="0" compatLnSpc="1">
+            <a:prstTxWarp prst="textNoShape">
+              <a:avLst/>
+            </a:prstTxWarp>
+          </a:bodyPr>
+          <a:lstStyle/>
+          <a:p>
+            <a:pPr marL="342900" marR="0" indent="-342900" algn="ctr" defTabSz="914400" rtl="0" eaLnBrk="1" fontAlgn="base" latinLnBrk="0" hangingPunct="1">
+              <a:lnSpc>
+                <a:spcPct val="100000"/>
+              </a:lnSpc>
+              <a:spcBef>
+                <a:spcPct val="20000"/>
+              </a:spcBef>
+              <a:spcAft>
+                <a:spcPct val="0"/>
+              </a:spcAft>
+              <a:buClrTx/>
+              <a:buSzTx/>
+              <a:buNone/>
+              <a:tabLst/>
+            </a:pPr>
+            <a:r>
+              <a:rPr lang="cs-CZ" dirty="0" smtClean="0">
+                <a:solidFill>
+                  <a:schemeClr val="tx1"/>
+                </a:solidFill>
+                <a:latin typeface="Calibri" pitchFamily="34" charset="0"/>
+              </a:rPr>
+              <a:t>4</a:t>
+            </a:r>
+            <a:endParaRPr kumimoji="0" lang="cs-CZ" b="1" i="0" u="none" strike="noStrike" cap="none" normalizeH="0" baseline="0" dirty="0" smtClean="0">
+              <a:ln>
+                <a:noFill/>
+              </a:ln>
+              <a:solidFill>
+                <a:schemeClr val="tx1"/>
+              </a:solidFill>
+              <a:effectLst/>
+              <a:latin typeface="Calibri" pitchFamily="34" charset="0"/>
+            </a:endParaRPr>
+          </a:p>
+        </p:txBody>
+      </p:sp>
+      <p:cxnSp>
+        <p:nvCxnSpPr>
+          <p:cNvPr id="35" name="Straight Connector 104"/>
+          <p:cNvCxnSpPr>
+            <a:stCxn id="29" idx="3"/>
+            <a:endCxn id="30" idx="0"/>
+          </p:cNvCxnSpPr>
+          <p:nvPr/>
+        </p:nvCxnSpPr>
+        <p:spPr bwMode="auto">
+          <a:xfrm rot="5400000">
+            <a:off x="9735919" y="4069629"/>
+            <a:ext cx="205647" cy="491399"/>
+          </a:xfrm>
+          <a:prstGeom prst="line">
+            <a:avLst/>
+          </a:prstGeom>
+          <a:noFill/>
+          <a:ln w="9525" cap="flat" cmpd="sng" algn="ctr">
+            <a:solidFill>
+              <a:schemeClr val="tx1"/>
+            </a:solidFill>
+            <a:prstDash val="solid"/>
+            <a:round/>
+            <a:headEnd type="none" w="med" len="med"/>
+            <a:tailEnd type="none" w="med" len="med"/>
+          </a:ln>
+          <a:effectLst/>
+        </p:spPr>
+      </p:cxnSp>
+      <p:cxnSp>
+        <p:nvCxnSpPr>
+          <p:cNvPr id="36" name="Straight Connector 107"/>
+          <p:cNvCxnSpPr>
+            <a:stCxn id="29" idx="5"/>
+            <a:endCxn id="27" idx="0"/>
+          </p:cNvCxnSpPr>
+          <p:nvPr/>
+        </p:nvCxnSpPr>
+        <p:spPr bwMode="auto">
+          <a:xfrm rot="16200000" flipH="1">
+            <a:off x="10530403" y="4069628"/>
+            <a:ext cx="205647" cy="491399"/>
+          </a:xfrm>
+          <a:prstGeom prst="line">
+            <a:avLst/>
+          </a:prstGeom>
+          <a:noFill/>
+          <a:ln w="9525" cap="flat" cmpd="sng" algn="ctr">
+            <a:solidFill>
+              <a:schemeClr val="tx1"/>
+            </a:solidFill>
+            <a:prstDash val="solid"/>
+            <a:round/>
+            <a:headEnd type="none" w="med" len="med"/>
+            <a:tailEnd type="none" w="med" len="med"/>
+          </a:ln>
+          <a:effectLst/>
+        </p:spPr>
+      </p:cxnSp>
+      <p:cxnSp>
+        <p:nvCxnSpPr>
+          <p:cNvPr id="37" name="Straight Connector 110"/>
+          <p:cNvCxnSpPr>
+            <a:stCxn id="30" idx="3"/>
+            <a:endCxn id="28" idx="0"/>
+          </p:cNvCxnSpPr>
+          <p:nvPr/>
+        </p:nvCxnSpPr>
+        <p:spPr bwMode="auto">
+          <a:xfrm rot="5400000">
+            <a:off x="9271572" y="4819728"/>
+            <a:ext cx="205647" cy="134209"/>
+          </a:xfrm>
+          <a:prstGeom prst="line">
+            <a:avLst/>
+          </a:prstGeom>
+          <a:noFill/>
+          <a:ln w="9525" cap="flat" cmpd="sng" algn="ctr">
+            <a:solidFill>
+              <a:schemeClr val="tx1"/>
+            </a:solidFill>
+            <a:prstDash val="solid"/>
+            <a:round/>
+            <a:headEnd type="none" w="med" len="med"/>
+            <a:tailEnd type="none" w="med" len="med"/>
+          </a:ln>
+          <a:effectLst/>
+        </p:spPr>
+      </p:cxnSp>
+      <p:cxnSp>
+        <p:nvCxnSpPr>
+          <p:cNvPr id="38" name="Straight Connector 113"/>
+          <p:cNvCxnSpPr>
+            <a:stCxn id="30" idx="5"/>
+            <a:endCxn id="33" idx="0"/>
+          </p:cNvCxnSpPr>
+          <p:nvPr/>
+        </p:nvCxnSpPr>
+        <p:spPr bwMode="auto">
+          <a:xfrm rot="16200000" flipH="1">
+            <a:off x="9708866" y="4819727"/>
+            <a:ext cx="205647" cy="134209"/>
+          </a:xfrm>
+          <a:prstGeom prst="line">
+            <a:avLst/>
+          </a:prstGeom>
+          <a:noFill/>
+          <a:ln w="9525" cap="flat" cmpd="sng" algn="ctr">
+            <a:solidFill>
+              <a:schemeClr val="tx1"/>
+            </a:solidFill>
+            <a:prstDash val="solid"/>
+            <a:round/>
+            <a:headEnd type="none" w="med" len="med"/>
+            <a:tailEnd type="none" w="med" len="med"/>
+          </a:ln>
+          <a:effectLst/>
+        </p:spPr>
+      </p:cxnSp>
+      <p:cxnSp>
+        <p:nvCxnSpPr>
+          <p:cNvPr id="39" name="Straight Connector 116"/>
+          <p:cNvCxnSpPr>
+            <a:stCxn id="27" idx="3"/>
+            <a:endCxn id="31" idx="0"/>
+          </p:cNvCxnSpPr>
+          <p:nvPr/>
+        </p:nvCxnSpPr>
+        <p:spPr bwMode="auto">
+          <a:xfrm rot="5400000">
+            <a:off x="10557456" y="4819728"/>
+            <a:ext cx="205647" cy="134209"/>
+          </a:xfrm>
+          <a:prstGeom prst="line">
+            <a:avLst/>
+          </a:prstGeom>
+          <a:noFill/>
+          <a:ln w="9525" cap="flat" cmpd="sng" algn="ctr">
+            <a:solidFill>
+              <a:schemeClr val="tx1"/>
+            </a:solidFill>
+            <a:prstDash val="solid"/>
+            <a:round/>
+            <a:headEnd type="none" w="med" len="med"/>
+            <a:tailEnd type="none" w="med" len="med"/>
+          </a:ln>
+          <a:effectLst/>
+        </p:spPr>
+      </p:cxnSp>
+      <p:cxnSp>
+        <p:nvCxnSpPr>
+          <p:cNvPr id="40" name="Straight Connector 119"/>
+          <p:cNvCxnSpPr>
+            <a:stCxn id="27" idx="5"/>
+            <a:endCxn id="32" idx="0"/>
+          </p:cNvCxnSpPr>
+          <p:nvPr/>
+        </p:nvCxnSpPr>
+        <p:spPr bwMode="auto">
+          <a:xfrm rot="16200000" flipH="1">
+            <a:off x="11030469" y="4784008"/>
+            <a:ext cx="205647" cy="205647"/>
+          </a:xfrm>
+          <a:prstGeom prst="line">
+            <a:avLst/>
+          </a:prstGeom>
+          <a:noFill/>
+          <a:ln w="9525" cap="flat" cmpd="sng" algn="ctr">
+            <a:solidFill>
+              <a:schemeClr val="tx1"/>
+            </a:solidFill>
+            <a:prstDash val="solid"/>
+            <a:round/>
+            <a:headEnd type="none" w="med" len="med"/>
+            <a:tailEnd type="none" w="med" len="med"/>
+          </a:ln>
+          <a:effectLst/>
+        </p:spPr>
+      </p:cxnSp>
+      <p:cxnSp>
+        <p:nvCxnSpPr>
+          <p:cNvPr id="41" name="Straight Connector 131"/>
+          <p:cNvCxnSpPr>
+            <a:stCxn id="28" idx="3"/>
+            <a:endCxn id="34" idx="0"/>
+          </p:cNvCxnSpPr>
+          <p:nvPr/>
+        </p:nvCxnSpPr>
+        <p:spPr bwMode="auto">
+          <a:xfrm rot="5400000">
+            <a:off x="8985820" y="5462670"/>
+            <a:ext cx="277085" cy="62771"/>
+          </a:xfrm>
+          <a:prstGeom prst="line">
+            <a:avLst/>
+          </a:prstGeom>
+          <a:noFill/>
+          <a:ln w="9525" cap="flat" cmpd="sng" algn="ctr">
+            <a:solidFill>
+              <a:schemeClr val="tx1"/>
+            </a:solidFill>
+            <a:prstDash val="solid"/>
+            <a:round/>
+            <a:headEnd type="none" w="med" len="med"/>
+            <a:tailEnd type="none" w="med" len="med"/>
+          </a:ln>
+          <a:effectLst/>
+        </p:spPr>
+      </p:cxnSp>
+      <p:cxnSp>
+        <p:nvCxnSpPr>
+          <p:cNvPr id="42" name="Straight Arrow Connector 151"/>
+          <p:cNvCxnSpPr/>
+          <p:nvPr/>
+        </p:nvCxnSpPr>
+        <p:spPr bwMode="auto">
+          <a:xfrm>
+            <a:off x="7164150" y="4846780"/>
+            <a:ext cx="1428760" cy="1588"/>
+          </a:xfrm>
+          <a:prstGeom prst="straightConnector1">
+            <a:avLst/>
+          </a:prstGeom>
+          <a:noFill/>
+          <a:ln w="9525" cap="flat" cmpd="sng" algn="ctr">
+            <a:solidFill>
+              <a:schemeClr val="tx1"/>
+            </a:solidFill>
+            <a:prstDash val="solid"/>
+            <a:round/>
+            <a:headEnd type="none" w="med" len="med"/>
+            <a:tailEnd type="arrow"/>
+          </a:ln>
+          <a:effectLst/>
+        </p:spPr>
+      </p:cxnSp>
+      <p:sp>
+        <p:nvSpPr>
+          <p:cNvPr id="43" name="Obdélník 42"/>
+          <p:cNvSpPr/>
+          <p:nvPr/>
+        </p:nvSpPr>
+        <p:spPr>
+          <a:xfrm>
+            <a:off x="5668285" y="3282201"/>
+            <a:ext cx="4224426" cy="400110"/>
+          </a:xfrm>
+          <a:prstGeom prst="rect">
+            <a:avLst/>
+          </a:prstGeom>
+        </p:spPr>
+        <p:txBody>
+          <a:bodyPr wrap="none">
+            <a:spAutoFit/>
+          </a:bodyPr>
+          <a:lstStyle/>
+          <a:p>
+            <a:pPr>
+              <a:buNone/>
+            </a:pPr>
+            <a:r>
+              <a:rPr lang="cs-CZ" sz="2000" b="0" dirty="0">
+                <a:solidFill>
+                  <a:schemeClr val="tx1"/>
+                </a:solidFill>
+                <a:latin typeface="Calibri" pitchFamily="34" charset="0"/>
+              </a:rPr>
+              <a:t>Ukázka </a:t>
+            </a:r>
+            <a:r>
+              <a:rPr lang="cs-CZ" sz="2000" b="0" dirty="0" smtClean="0">
+                <a:solidFill>
+                  <a:schemeClr val="tx1"/>
+                </a:solidFill>
+                <a:latin typeface="Calibri" pitchFamily="34" charset="0"/>
+              </a:rPr>
+              <a:t>řazení </a:t>
+            </a:r>
+            <a:r>
+              <a:rPr lang="cs-CZ" sz="2000" b="0" dirty="0">
+                <a:solidFill>
+                  <a:schemeClr val="tx1"/>
+                </a:solidFill>
+                <a:latin typeface="Calibri" pitchFamily="34" charset="0"/>
+              </a:rPr>
+              <a:t>hromady:  6 5 8 4 3 1 2 7</a:t>
+            </a:r>
+            <a:endParaRPr lang="cs-CZ" sz="2000" b="0" dirty="0">
+              <a:solidFill>
+                <a:schemeClr val="tx1"/>
+              </a:solidFill>
+              <a:latin typeface="Calibri" pitchFamily="34" charset="0"/>
+            </a:endParaRPr>
           </a:p>
         </p:txBody>
       </p:sp>
@@ -8151,6 +11764,15 @@
           </a:p>
           <a:p>
             <a:pPr marL="0" indent="0">
+              <a:spcAft>
+                <a:spcPts val="1200"/>
+              </a:spcAft>
+              <a:buNone/>
+            </a:pPr>
+            <a:endParaRPr lang="cs-CZ" sz="2800" dirty="0" smtClean="0"/>
+          </a:p>
+          <a:p>
+            <a:pPr marL="0" indent="0">
               <a:buNone/>
             </a:pPr>
             <a:endParaRPr lang="cs-CZ" dirty="0" smtClean="0"/>
@@ -8207,6 +11829,1160 @@
               <a:t>8</a:t>
             </a:fld>
             <a:endParaRPr lang="en-US" altLang="cs-CZ"/>
+          </a:p>
+        </p:txBody>
+      </p:sp>
+      <p:sp>
+        <p:nvSpPr>
+          <p:cNvPr id="6" name="TextBox 5"/>
+          <p:cNvSpPr txBox="1"/>
+          <p:nvPr/>
+        </p:nvSpPr>
+        <p:spPr>
+          <a:xfrm>
+            <a:off x="1278598" y="4209927"/>
+            <a:ext cx="1729961" cy="338554"/>
+          </a:xfrm>
+          <a:prstGeom prst="rect">
+            <a:avLst/>
+          </a:prstGeom>
+          <a:noFill/>
+        </p:spPr>
+        <p:txBody>
+          <a:bodyPr wrap="none" rtlCol="0">
+            <a:spAutoFit/>
+          </a:bodyPr>
+          <a:lstStyle/>
+          <a:p>
+            <a:pPr>
+              <a:buNone/>
+            </a:pPr>
+            <a:r>
+              <a:rPr lang="cs-CZ" sz="1600" dirty="0" smtClean="0">
+                <a:solidFill>
+                  <a:schemeClr val="tx1"/>
+                </a:solidFill>
+                <a:latin typeface="Calibri" pitchFamily="34" charset="0"/>
+              </a:rPr>
+              <a:t>Maska podřetězce</a:t>
+            </a:r>
+            <a:endParaRPr lang="cs-CZ" sz="1600" dirty="0">
+              <a:solidFill>
+                <a:schemeClr val="tx1"/>
+              </a:solidFill>
+              <a:latin typeface="Calibri" pitchFamily="34" charset="0"/>
+            </a:endParaRPr>
+          </a:p>
+        </p:txBody>
+      </p:sp>
+      <p:graphicFrame>
+        <p:nvGraphicFramePr>
+          <p:cNvPr id="7" name="Table 6"/>
+          <p:cNvGraphicFramePr>
+            <a:graphicFrameLocks noGrp="1"/>
+          </p:cNvGraphicFramePr>
+          <p:nvPr>
+            <p:extLst>
+              <p:ext uri="{D42A27DB-BD31-4B8C-83A1-F6EECF244321}">
+                <p14:modId xmlns:p14="http://schemas.microsoft.com/office/powerpoint/2010/main" val="1939373401"/>
+              </p:ext>
+            </p:extLst>
+          </p:nvPr>
+        </p:nvGraphicFramePr>
+        <p:xfrm>
+          <a:off x="1135722" y="4567117"/>
+          <a:ext cx="2857520" cy="1097280"/>
+        </p:xfrm>
+        <a:graphic>
+          <a:graphicData uri="http://schemas.openxmlformats.org/drawingml/2006/table">
+            <a:tbl>
+              <a:tblPr firstRow="1" bandRow="1">
+                <a:tableStyleId>{BC89EF96-8CEA-46FF-86C4-4CE0E7609802}</a:tableStyleId>
+              </a:tblPr>
+              <a:tblGrid>
+                <a:gridCol w="357190"/>
+                <a:gridCol w="357190"/>
+                <a:gridCol w="357190"/>
+                <a:gridCol w="357190"/>
+                <a:gridCol w="357190"/>
+                <a:gridCol w="357190"/>
+                <a:gridCol w="357190"/>
+                <a:gridCol w="357190"/>
+              </a:tblGrid>
+              <a:tr h="357190">
+                <a:tc>
+                  <a:txBody>
+                    <a:bodyPr/>
+                    <a:lstStyle/>
+                    <a:p>
+                      <a:r>
+                        <a:rPr lang="cs-CZ" b="0" dirty="0" smtClean="0"/>
+                        <a:t>1</a:t>
+                      </a:r>
+                      <a:endParaRPr lang="cs-CZ" b="0" dirty="0"/>
+                    </a:p>
+                  </a:txBody>
+                  <a:tcPr/>
+                </a:tc>
+                <a:tc>
+                  <a:txBody>
+                    <a:bodyPr/>
+                    <a:lstStyle/>
+                    <a:p>
+                      <a:r>
+                        <a:rPr lang="cs-CZ" b="0" dirty="0" smtClean="0"/>
+                        <a:t>2</a:t>
+                      </a:r>
+                      <a:endParaRPr lang="cs-CZ" b="0" dirty="0"/>
+                    </a:p>
+                  </a:txBody>
+                  <a:tcPr/>
+                </a:tc>
+                <a:tc>
+                  <a:txBody>
+                    <a:bodyPr/>
+                    <a:lstStyle/>
+                    <a:p>
+                      <a:r>
+                        <a:rPr lang="cs-CZ" b="0" dirty="0" smtClean="0"/>
+                        <a:t>3</a:t>
+                      </a:r>
+                      <a:endParaRPr lang="cs-CZ" b="0" dirty="0"/>
+                    </a:p>
+                  </a:txBody>
+                  <a:tcPr/>
+                </a:tc>
+                <a:tc>
+                  <a:txBody>
+                    <a:bodyPr/>
+                    <a:lstStyle/>
+                    <a:p>
+                      <a:r>
+                        <a:rPr lang="cs-CZ" b="0" dirty="0" smtClean="0"/>
+                        <a:t>4</a:t>
+                      </a:r>
+                    </a:p>
+                  </a:txBody>
+                  <a:tcPr/>
+                </a:tc>
+                <a:tc>
+                  <a:txBody>
+                    <a:bodyPr/>
+                    <a:lstStyle/>
+                    <a:p>
+                      <a:r>
+                        <a:rPr lang="cs-CZ" b="0" dirty="0" smtClean="0"/>
+                        <a:t>5</a:t>
+                      </a:r>
+                      <a:endParaRPr lang="cs-CZ" b="0" dirty="0"/>
+                    </a:p>
+                  </a:txBody>
+                  <a:tcPr/>
+                </a:tc>
+                <a:tc>
+                  <a:txBody>
+                    <a:bodyPr/>
+                    <a:lstStyle/>
+                    <a:p>
+                      <a:r>
+                        <a:rPr lang="cs-CZ" b="0" dirty="0" smtClean="0"/>
+                        <a:t>6</a:t>
+                      </a:r>
+                      <a:endParaRPr lang="cs-CZ" b="0" dirty="0"/>
+                    </a:p>
+                  </a:txBody>
+                  <a:tcPr/>
+                </a:tc>
+                <a:tc>
+                  <a:txBody>
+                    <a:bodyPr/>
+                    <a:lstStyle/>
+                    <a:p>
+                      <a:r>
+                        <a:rPr lang="cs-CZ" b="0" dirty="0" smtClean="0"/>
+                        <a:t>7</a:t>
+                      </a:r>
+                      <a:endParaRPr lang="cs-CZ" b="0" dirty="0"/>
+                    </a:p>
+                  </a:txBody>
+                  <a:tcPr/>
+                </a:tc>
+                <a:tc>
+                  <a:txBody>
+                    <a:bodyPr/>
+                    <a:lstStyle/>
+                    <a:p>
+                      <a:r>
+                        <a:rPr lang="cs-CZ" b="0" dirty="0" smtClean="0"/>
+                        <a:t>8</a:t>
+                      </a:r>
+                      <a:endParaRPr lang="cs-CZ" b="0" dirty="0"/>
+                    </a:p>
+                  </a:txBody>
+                  <a:tcPr/>
+                </a:tc>
+              </a:tr>
+              <a:tr h="357190">
+                <a:tc>
+                  <a:txBody>
+                    <a:bodyPr/>
+                    <a:lstStyle/>
+                    <a:p>
+                      <a:r>
+                        <a:rPr lang="cs-CZ" b="1" dirty="0" smtClean="0"/>
+                        <a:t>A</a:t>
+                      </a:r>
+                      <a:endParaRPr lang="cs-CZ" b="1" dirty="0"/>
+                    </a:p>
+                  </a:txBody>
+                  <a:tcPr/>
+                </a:tc>
+                <a:tc>
+                  <a:txBody>
+                    <a:bodyPr/>
+                    <a:lstStyle/>
+                    <a:p>
+                      <a:r>
+                        <a:rPr lang="cs-CZ" b="1" dirty="0" smtClean="0"/>
+                        <a:t>B</a:t>
+                      </a:r>
+                      <a:endParaRPr lang="cs-CZ" b="1" dirty="0"/>
+                    </a:p>
+                  </a:txBody>
+                  <a:tcPr/>
+                </a:tc>
+                <a:tc>
+                  <a:txBody>
+                    <a:bodyPr/>
+                    <a:lstStyle/>
+                    <a:p>
+                      <a:r>
+                        <a:rPr lang="cs-CZ" b="1" dirty="0" smtClean="0"/>
+                        <a:t>A</a:t>
+                      </a:r>
+                      <a:endParaRPr lang="cs-CZ" b="1" dirty="0"/>
+                    </a:p>
+                  </a:txBody>
+                  <a:tcPr/>
+                </a:tc>
+                <a:tc>
+                  <a:txBody>
+                    <a:bodyPr/>
+                    <a:lstStyle/>
+                    <a:p>
+                      <a:r>
+                        <a:rPr lang="cs-CZ" b="1" dirty="0" smtClean="0"/>
+                        <a:t>C</a:t>
+                      </a:r>
+                      <a:endParaRPr lang="cs-CZ" b="1" dirty="0"/>
+                    </a:p>
+                  </a:txBody>
+                  <a:tcPr/>
+                </a:tc>
+                <a:tc>
+                  <a:txBody>
+                    <a:bodyPr/>
+                    <a:lstStyle/>
+                    <a:p>
+                      <a:r>
+                        <a:rPr lang="cs-CZ" b="1" dirty="0" smtClean="0"/>
+                        <a:t>A</a:t>
+                      </a:r>
+                      <a:endParaRPr lang="cs-CZ" b="1" dirty="0"/>
+                    </a:p>
+                  </a:txBody>
+                  <a:tcPr/>
+                </a:tc>
+                <a:tc>
+                  <a:txBody>
+                    <a:bodyPr/>
+                    <a:lstStyle/>
+                    <a:p>
+                      <a:r>
+                        <a:rPr lang="cs-CZ" b="1" dirty="0" smtClean="0"/>
+                        <a:t>B</a:t>
+                      </a:r>
+                      <a:endParaRPr lang="cs-CZ" b="1" dirty="0"/>
+                    </a:p>
+                  </a:txBody>
+                  <a:tcPr/>
+                </a:tc>
+                <a:tc>
+                  <a:txBody>
+                    <a:bodyPr/>
+                    <a:lstStyle/>
+                    <a:p>
+                      <a:r>
+                        <a:rPr lang="cs-CZ" b="1" dirty="0" smtClean="0"/>
+                        <a:t>D</a:t>
+                      </a:r>
+                      <a:endParaRPr lang="cs-CZ" b="1" dirty="0"/>
+                    </a:p>
+                  </a:txBody>
+                  <a:tcPr/>
+                </a:tc>
+                <a:tc>
+                  <a:txBody>
+                    <a:bodyPr/>
+                    <a:lstStyle/>
+                    <a:p>
+                      <a:r>
+                        <a:rPr lang="cs-CZ" b="1" dirty="0" smtClean="0"/>
+                        <a:t>B</a:t>
+                      </a:r>
+                      <a:endParaRPr lang="cs-CZ" b="1" dirty="0"/>
+                    </a:p>
+                  </a:txBody>
+                  <a:tcPr/>
+                </a:tc>
+              </a:tr>
+              <a:tr h="357190">
+                <a:tc>
+                  <a:txBody>
+                    <a:bodyPr/>
+                    <a:lstStyle/>
+                    <a:p>
+                      <a:r>
+                        <a:rPr lang="cs-CZ" dirty="0" smtClean="0"/>
+                        <a:t>0</a:t>
+                      </a:r>
+                      <a:endParaRPr lang="cs-CZ" dirty="0"/>
+                    </a:p>
+                  </a:txBody>
+                  <a:tcPr/>
+                </a:tc>
+                <a:tc>
+                  <a:txBody>
+                    <a:bodyPr/>
+                    <a:lstStyle/>
+                    <a:p>
+                      <a:r>
+                        <a:rPr lang="cs-CZ" dirty="0" smtClean="0"/>
+                        <a:t>0</a:t>
+                      </a:r>
+                      <a:endParaRPr lang="cs-CZ" dirty="0"/>
+                    </a:p>
+                  </a:txBody>
+                  <a:tcPr/>
+                </a:tc>
+                <a:tc>
+                  <a:txBody>
+                    <a:bodyPr/>
+                    <a:lstStyle/>
+                    <a:p>
+                      <a:r>
+                        <a:rPr lang="cs-CZ" dirty="0" smtClean="0"/>
+                        <a:t>1</a:t>
+                      </a:r>
+                      <a:endParaRPr lang="cs-CZ" dirty="0"/>
+                    </a:p>
+                  </a:txBody>
+                  <a:tcPr/>
+                </a:tc>
+                <a:tc>
+                  <a:txBody>
+                    <a:bodyPr/>
+                    <a:lstStyle/>
+                    <a:p>
+                      <a:r>
+                        <a:rPr lang="cs-CZ" dirty="0" smtClean="0"/>
+                        <a:t>0</a:t>
+                      </a:r>
+                      <a:endParaRPr lang="cs-CZ" dirty="0"/>
+                    </a:p>
+                  </a:txBody>
+                  <a:tcPr/>
+                </a:tc>
+                <a:tc>
+                  <a:txBody>
+                    <a:bodyPr/>
+                    <a:lstStyle/>
+                    <a:p>
+                      <a:r>
+                        <a:rPr lang="cs-CZ" dirty="0" smtClean="0"/>
+                        <a:t>1</a:t>
+                      </a:r>
+                      <a:endParaRPr lang="cs-CZ" dirty="0"/>
+                    </a:p>
+                  </a:txBody>
+                  <a:tcPr/>
+                </a:tc>
+                <a:tc>
+                  <a:txBody>
+                    <a:bodyPr/>
+                    <a:lstStyle/>
+                    <a:p>
+                      <a:r>
+                        <a:rPr lang="cs-CZ" dirty="0" smtClean="0"/>
+                        <a:t>2</a:t>
+                      </a:r>
+                      <a:endParaRPr lang="cs-CZ" dirty="0"/>
+                    </a:p>
+                  </a:txBody>
+                  <a:tcPr/>
+                </a:tc>
+                <a:tc>
+                  <a:txBody>
+                    <a:bodyPr/>
+                    <a:lstStyle/>
+                    <a:p>
+                      <a:r>
+                        <a:rPr lang="cs-CZ" dirty="0" smtClean="0"/>
+                        <a:t>0</a:t>
+                      </a:r>
+                      <a:endParaRPr lang="cs-CZ" dirty="0"/>
+                    </a:p>
+                  </a:txBody>
+                  <a:tcPr/>
+                </a:tc>
+                <a:tc>
+                  <a:txBody>
+                    <a:bodyPr/>
+                    <a:lstStyle/>
+                    <a:p>
+                      <a:r>
+                        <a:rPr lang="cs-CZ" dirty="0" smtClean="0"/>
+                        <a:t>0</a:t>
+                      </a:r>
+                      <a:endParaRPr lang="cs-CZ" dirty="0"/>
+                    </a:p>
+                  </a:txBody>
+                  <a:tcPr/>
+                </a:tc>
+              </a:tr>
+            </a:tbl>
+          </a:graphicData>
+        </a:graphic>
+      </p:graphicFrame>
+      <p:graphicFrame>
+        <p:nvGraphicFramePr>
+          <p:cNvPr id="8" name="Object 10"/>
+          <p:cNvGraphicFramePr>
+            <a:graphicFrameLocks noChangeAspect="1"/>
+          </p:cNvGraphicFramePr>
+          <p:nvPr>
+            <p:extLst>
+              <p:ext uri="{D42A27DB-BD31-4B8C-83A1-F6EECF244321}">
+                <p14:modId xmlns:p14="http://schemas.microsoft.com/office/powerpoint/2010/main" val="2851130483"/>
+              </p:ext>
+            </p:extLst>
+          </p:nvPr>
+        </p:nvGraphicFramePr>
+        <p:xfrm>
+          <a:off x="1775520" y="2706563"/>
+          <a:ext cx="9113838" cy="204788"/>
+        </p:xfrm>
+        <a:graphic>
+          <a:graphicData uri="http://schemas.openxmlformats.org/presentationml/2006/ole">
+            <mc:AlternateContent xmlns:mc="http://schemas.openxmlformats.org/markup-compatibility/2006">
+              <mc:Choice xmlns:v="urn:schemas-microsoft-com:vml" Requires="v">
+                <p:oleObj spid="_x0000_s1030" name="Worksheet" r:id="rId3" imgW="9151421" imgH="205740" progId="Excel.Sheet.12">
+                  <p:embed/>
+                </p:oleObj>
+              </mc:Choice>
+              <mc:Fallback>
+                <p:oleObj name="Worksheet" r:id="rId3" imgW="9151421" imgH="205740" progId="Excel.Sheet.12">
+                  <p:embed/>
+                  <p:pic>
+                    <p:nvPicPr>
+                      <p:cNvPr id="0" name=""/>
+                      <p:cNvPicPr>
+                        <a:picLocks noChangeAspect="1" noChangeArrowheads="1"/>
+                      </p:cNvPicPr>
+                      <p:nvPr/>
+                    </p:nvPicPr>
+                    <p:blipFill>
+                      <a:blip r:embed="rId4">
+                        <a:extLst>
+                          <a:ext uri="{28A0092B-C50C-407E-A947-70E740481C1C}">
+                            <a14:useLocalDpi xmlns:a14="http://schemas.microsoft.com/office/drawing/2010/main" val="0"/>
+                          </a:ext>
+                        </a:extLst>
+                      </a:blip>
+                      <a:srcRect/>
+                      <a:stretch>
+                        <a:fillRect/>
+                      </a:stretch>
+                    </p:blipFill>
+                    <p:spPr bwMode="auto">
+                      <a:xfrm>
+                        <a:off x="1775520" y="2706563"/>
+                        <a:ext cx="9113838" cy="204788"/>
+                      </a:xfrm>
+                      <a:prstGeom prst="rect">
+                        <a:avLst/>
+                      </a:prstGeom>
+                      <a:noFill/>
+                    </p:spPr>
+                  </p:pic>
+                </p:oleObj>
+              </mc:Fallback>
+            </mc:AlternateContent>
+          </a:graphicData>
+        </a:graphic>
+      </p:graphicFrame>
+      <p:graphicFrame>
+        <p:nvGraphicFramePr>
+          <p:cNvPr id="9" name="Object 11"/>
+          <p:cNvGraphicFramePr>
+            <a:graphicFrameLocks noChangeAspect="1"/>
+          </p:cNvGraphicFramePr>
+          <p:nvPr>
+            <p:extLst>
+              <p:ext uri="{D42A27DB-BD31-4B8C-83A1-F6EECF244321}">
+                <p14:modId xmlns:p14="http://schemas.microsoft.com/office/powerpoint/2010/main" val="955026124"/>
+              </p:ext>
+            </p:extLst>
+          </p:nvPr>
+        </p:nvGraphicFramePr>
+        <p:xfrm>
+          <a:off x="1775520" y="3212976"/>
+          <a:ext cx="4864100" cy="203200"/>
+        </p:xfrm>
+        <a:graphic>
+          <a:graphicData uri="http://schemas.openxmlformats.org/presentationml/2006/ole">
+            <mc:AlternateContent xmlns:mc="http://schemas.openxmlformats.org/markup-compatibility/2006">
+              <mc:Choice xmlns:v="urn:schemas-microsoft-com:vml" Requires="v">
+                <p:oleObj spid="_x0000_s1031" name="Worksheet" r:id="rId5" imgW="4884433" imgH="205740" progId="Excel.Sheet.12">
+                  <p:embed/>
+                </p:oleObj>
+              </mc:Choice>
+              <mc:Fallback>
+                <p:oleObj name="Worksheet" r:id="rId5" imgW="4884433" imgH="205740" progId="Excel.Sheet.12">
+                  <p:embed/>
+                  <p:pic>
+                    <p:nvPicPr>
+                      <p:cNvPr id="0" name=""/>
+                      <p:cNvPicPr>
+                        <a:picLocks noChangeAspect="1" noChangeArrowheads="1"/>
+                      </p:cNvPicPr>
+                      <p:nvPr/>
+                    </p:nvPicPr>
+                    <p:blipFill>
+                      <a:blip r:embed="rId6">
+                        <a:extLst>
+                          <a:ext uri="{28A0092B-C50C-407E-A947-70E740481C1C}">
+                            <a14:useLocalDpi xmlns:a14="http://schemas.microsoft.com/office/drawing/2010/main" val="0"/>
+                          </a:ext>
+                        </a:extLst>
+                      </a:blip>
+                      <a:srcRect/>
+                      <a:stretch>
+                        <a:fillRect/>
+                      </a:stretch>
+                    </p:blipFill>
+                    <p:spPr bwMode="auto">
+                      <a:xfrm>
+                        <a:off x="1775520" y="3212976"/>
+                        <a:ext cx="4864100" cy="203200"/>
+                      </a:xfrm>
+                      <a:prstGeom prst="rect">
+                        <a:avLst/>
+                      </a:prstGeom>
+                      <a:noFill/>
+                    </p:spPr>
+                  </p:pic>
+                </p:oleObj>
+              </mc:Fallback>
+            </mc:AlternateContent>
+          </a:graphicData>
+        </a:graphic>
+      </p:graphicFrame>
+      <p:graphicFrame>
+        <p:nvGraphicFramePr>
+          <p:cNvPr id="10" name="Object 18"/>
+          <p:cNvGraphicFramePr>
+            <a:graphicFrameLocks noChangeAspect="1"/>
+          </p:cNvGraphicFramePr>
+          <p:nvPr>
+            <p:extLst>
+              <p:ext uri="{D42A27DB-BD31-4B8C-83A1-F6EECF244321}">
+                <p14:modId xmlns:p14="http://schemas.microsoft.com/office/powerpoint/2010/main" val="191287754"/>
+              </p:ext>
+            </p:extLst>
+          </p:nvPr>
+        </p:nvGraphicFramePr>
+        <p:xfrm>
+          <a:off x="4207570" y="3717801"/>
+          <a:ext cx="4833938" cy="204787"/>
+        </p:xfrm>
+        <a:graphic>
+          <a:graphicData uri="http://schemas.openxmlformats.org/presentationml/2006/ole">
+            <mc:AlternateContent xmlns:mc="http://schemas.openxmlformats.org/markup-compatibility/2006">
+              <mc:Choice xmlns:v="urn:schemas-microsoft-com:vml" Requires="v">
+                <p:oleObj spid="_x0000_s1032" name="Worksheet" r:id="rId7" imgW="4884433" imgH="205740" progId="Excel.Sheet.12">
+                  <p:embed/>
+                </p:oleObj>
+              </mc:Choice>
+              <mc:Fallback>
+                <p:oleObj name="Worksheet" r:id="rId7" imgW="4884433" imgH="205740" progId="Excel.Sheet.12">
+                  <p:embed/>
+                  <p:pic>
+                    <p:nvPicPr>
+                      <p:cNvPr id="0" name=""/>
+                      <p:cNvPicPr>
+                        <a:picLocks noChangeAspect="1" noChangeArrowheads="1"/>
+                      </p:cNvPicPr>
+                      <p:nvPr/>
+                    </p:nvPicPr>
+                    <p:blipFill>
+                      <a:blip r:embed="rId8">
+                        <a:extLst>
+                          <a:ext uri="{28A0092B-C50C-407E-A947-70E740481C1C}">
+                            <a14:useLocalDpi xmlns:a14="http://schemas.microsoft.com/office/drawing/2010/main" val="0"/>
+                          </a:ext>
+                        </a:extLst>
+                      </a:blip>
+                      <a:srcRect/>
+                      <a:stretch>
+                        <a:fillRect/>
+                      </a:stretch>
+                    </p:blipFill>
+                    <p:spPr bwMode="auto">
+                      <a:xfrm>
+                        <a:off x="4207570" y="3717801"/>
+                        <a:ext cx="4833938" cy="204787"/>
+                      </a:xfrm>
+                      <a:prstGeom prst="rect">
+                        <a:avLst/>
+                      </a:prstGeom>
+                      <a:noFill/>
+                    </p:spPr>
+                  </p:pic>
+                </p:oleObj>
+              </mc:Fallback>
+            </mc:AlternateContent>
+          </a:graphicData>
+        </a:graphic>
+      </p:graphicFrame>
+      <p:graphicFrame>
+        <p:nvGraphicFramePr>
+          <p:cNvPr id="11" name="Object 10"/>
+          <p:cNvGraphicFramePr>
+            <a:graphicFrameLocks noChangeAspect="1"/>
+          </p:cNvGraphicFramePr>
+          <p:nvPr>
+            <p:extLst>
+              <p:ext uri="{D42A27DB-BD31-4B8C-83A1-F6EECF244321}">
+                <p14:modId xmlns:p14="http://schemas.microsoft.com/office/powerpoint/2010/main" val="2301081877"/>
+              </p:ext>
+            </p:extLst>
+          </p:nvPr>
+        </p:nvGraphicFramePr>
+        <p:xfrm>
+          <a:off x="4850498" y="4209927"/>
+          <a:ext cx="4884738" cy="206375"/>
+        </p:xfrm>
+        <a:graphic>
+          <a:graphicData uri="http://schemas.openxmlformats.org/presentationml/2006/ole">
+            <mc:AlternateContent xmlns:mc="http://schemas.openxmlformats.org/markup-compatibility/2006">
+              <mc:Choice xmlns:v="urn:schemas-microsoft-com:vml" Requires="v">
+                <p:oleObj spid="_x0000_s1033" name="Worksheet" r:id="rId9" imgW="4884433" imgH="205740" progId="Excel.Sheet.12">
+                  <p:embed/>
+                </p:oleObj>
+              </mc:Choice>
+              <mc:Fallback>
+                <p:oleObj name="Worksheet" r:id="rId9" imgW="4884433" imgH="205740" progId="Excel.Sheet.12">
+                  <p:embed/>
+                  <p:pic>
+                    <p:nvPicPr>
+                      <p:cNvPr id="0" name=""/>
+                      <p:cNvPicPr>
+                        <a:picLocks noChangeAspect="1" noChangeArrowheads="1"/>
+                      </p:cNvPicPr>
+                      <p:nvPr/>
+                    </p:nvPicPr>
+                    <p:blipFill>
+                      <a:blip r:embed="rId10">
+                        <a:extLst>
+                          <a:ext uri="{28A0092B-C50C-407E-A947-70E740481C1C}">
+                            <a14:useLocalDpi xmlns:a14="http://schemas.microsoft.com/office/drawing/2010/main" val="0"/>
+                          </a:ext>
+                        </a:extLst>
+                      </a:blip>
+                      <a:srcRect/>
+                      <a:stretch>
+                        <a:fillRect/>
+                      </a:stretch>
+                    </p:blipFill>
+                    <p:spPr bwMode="auto">
+                      <a:xfrm>
+                        <a:off x="4850498" y="4209927"/>
+                        <a:ext cx="4884738" cy="206375"/>
+                      </a:xfrm>
+                      <a:prstGeom prst="rect">
+                        <a:avLst/>
+                      </a:prstGeom>
+                      <a:noFill/>
+                    </p:spPr>
+                  </p:pic>
+                </p:oleObj>
+              </mc:Fallback>
+            </mc:AlternateContent>
+          </a:graphicData>
+        </a:graphic>
+      </p:graphicFrame>
+      <p:graphicFrame>
+        <p:nvGraphicFramePr>
+          <p:cNvPr id="12" name="Table 22"/>
+          <p:cNvGraphicFramePr>
+            <a:graphicFrameLocks noGrp="1"/>
+          </p:cNvGraphicFramePr>
+          <p:nvPr>
+            <p:extLst>
+              <p:ext uri="{D42A27DB-BD31-4B8C-83A1-F6EECF244321}">
+                <p14:modId xmlns:p14="http://schemas.microsoft.com/office/powerpoint/2010/main" val="1977999120"/>
+              </p:ext>
+            </p:extLst>
+          </p:nvPr>
+        </p:nvGraphicFramePr>
+        <p:xfrm>
+          <a:off x="1778664" y="2995481"/>
+          <a:ext cx="3643338" cy="213360"/>
+        </p:xfrm>
+        <a:graphic>
+          <a:graphicData uri="http://schemas.openxmlformats.org/drawingml/2006/table">
+            <a:tbl>
+              <a:tblPr firstRow="1" bandRow="1">
+                <a:tableStyleId>{69CF1AB2-1976-4502-BF36-3FF5EA218861}</a:tableStyleId>
+              </a:tblPr>
+              <a:tblGrid>
+                <a:gridCol w="607223"/>
+                <a:gridCol w="607223"/>
+                <a:gridCol w="607223"/>
+                <a:gridCol w="607223"/>
+                <a:gridCol w="607223"/>
+                <a:gridCol w="607223"/>
+              </a:tblGrid>
+              <a:tr h="0">
+                <a:tc>
+                  <a:txBody>
+                    <a:bodyPr/>
+                    <a:lstStyle/>
+                    <a:p>
+                      <a:pPr algn="ctr"/>
+                      <a:r>
+                        <a:rPr lang="cs-CZ" sz="800" b="0" dirty="0" smtClean="0">
+                          <a:latin typeface="Calibri" pitchFamily="34" charset="0"/>
+                        </a:rPr>
+                        <a:t>1</a:t>
+                      </a:r>
+                      <a:endParaRPr lang="cs-CZ" sz="800" b="0" dirty="0">
+                        <a:latin typeface="Calibri" pitchFamily="34" charset="0"/>
+                      </a:endParaRPr>
+                    </a:p>
+                  </a:txBody>
+                  <a:tcPr/>
+                </a:tc>
+                <a:tc>
+                  <a:txBody>
+                    <a:bodyPr/>
+                    <a:lstStyle/>
+                    <a:p>
+                      <a:pPr algn="ctr"/>
+                      <a:r>
+                        <a:rPr lang="cs-CZ" sz="800" b="0" dirty="0" smtClean="0">
+                          <a:latin typeface="Calibri" pitchFamily="34" charset="0"/>
+                        </a:rPr>
+                        <a:t>2</a:t>
+                      </a:r>
+                      <a:endParaRPr lang="cs-CZ" sz="800" b="0" dirty="0">
+                        <a:latin typeface="Calibri" pitchFamily="34" charset="0"/>
+                      </a:endParaRPr>
+                    </a:p>
+                  </a:txBody>
+                  <a:tcPr/>
+                </a:tc>
+                <a:tc>
+                  <a:txBody>
+                    <a:bodyPr/>
+                    <a:lstStyle/>
+                    <a:p>
+                      <a:pPr algn="ctr"/>
+                      <a:r>
+                        <a:rPr lang="cs-CZ" sz="800" b="0" dirty="0" smtClean="0">
+                          <a:latin typeface="Calibri" pitchFamily="34" charset="0"/>
+                        </a:rPr>
+                        <a:t>3</a:t>
+                      </a:r>
+                      <a:endParaRPr lang="cs-CZ" sz="800" b="0" dirty="0">
+                        <a:latin typeface="Calibri" pitchFamily="34" charset="0"/>
+                      </a:endParaRPr>
+                    </a:p>
+                  </a:txBody>
+                  <a:tcPr/>
+                </a:tc>
+                <a:tc>
+                  <a:txBody>
+                    <a:bodyPr/>
+                    <a:lstStyle/>
+                    <a:p>
+                      <a:pPr algn="ctr"/>
+                      <a:r>
+                        <a:rPr lang="cs-CZ" sz="800" b="0" dirty="0" smtClean="0">
+                          <a:latin typeface="Calibri" pitchFamily="34" charset="0"/>
+                        </a:rPr>
+                        <a:t>4</a:t>
+                      </a:r>
+                      <a:endParaRPr lang="cs-CZ" sz="800" b="0" dirty="0">
+                        <a:latin typeface="Calibri" pitchFamily="34" charset="0"/>
+                      </a:endParaRPr>
+                    </a:p>
+                  </a:txBody>
+                  <a:tcPr/>
+                </a:tc>
+                <a:tc>
+                  <a:txBody>
+                    <a:bodyPr/>
+                    <a:lstStyle/>
+                    <a:p>
+                      <a:pPr algn="ctr"/>
+                      <a:r>
+                        <a:rPr lang="cs-CZ" sz="800" b="0" dirty="0" smtClean="0">
+                          <a:latin typeface="Calibri" pitchFamily="34" charset="0"/>
+                        </a:rPr>
+                        <a:t>5</a:t>
+                      </a:r>
+                      <a:endParaRPr lang="cs-CZ" sz="800" b="0" dirty="0">
+                        <a:latin typeface="Calibri" pitchFamily="34" charset="0"/>
+                      </a:endParaRPr>
+                    </a:p>
+                  </a:txBody>
+                  <a:tcPr/>
+                </a:tc>
+                <a:tc>
+                  <a:txBody>
+                    <a:bodyPr/>
+                    <a:lstStyle/>
+                    <a:p>
+                      <a:pPr algn="ctr"/>
+                      <a:r>
+                        <a:rPr lang="cs-CZ" sz="800" b="0" dirty="0" smtClean="0">
+                          <a:latin typeface="Calibri" pitchFamily="34" charset="0"/>
+                        </a:rPr>
+                        <a:t>6</a:t>
+                      </a:r>
+                      <a:endParaRPr lang="cs-CZ" sz="800" b="0" dirty="0">
+                        <a:latin typeface="Calibri" pitchFamily="34" charset="0"/>
+                      </a:endParaRPr>
+                    </a:p>
+                  </a:txBody>
+                  <a:tcPr/>
+                </a:tc>
+              </a:tr>
+            </a:tbl>
+          </a:graphicData>
+        </a:graphic>
+      </p:graphicFrame>
+      <p:graphicFrame>
+        <p:nvGraphicFramePr>
+          <p:cNvPr id="13" name="Table 25"/>
+          <p:cNvGraphicFramePr>
+            <a:graphicFrameLocks noGrp="1"/>
+          </p:cNvGraphicFramePr>
+          <p:nvPr>
+            <p:extLst>
+              <p:ext uri="{D42A27DB-BD31-4B8C-83A1-F6EECF244321}">
+                <p14:modId xmlns:p14="http://schemas.microsoft.com/office/powerpoint/2010/main" val="1040443095"/>
+              </p:ext>
+            </p:extLst>
+          </p:nvPr>
+        </p:nvGraphicFramePr>
+        <p:xfrm>
+          <a:off x="4207556" y="3495547"/>
+          <a:ext cx="1214446" cy="213360"/>
+        </p:xfrm>
+        <a:graphic>
+          <a:graphicData uri="http://schemas.openxmlformats.org/drawingml/2006/table">
+            <a:tbl>
+              <a:tblPr firstRow="1" bandRow="1">
+                <a:tableStyleId>{69CF1AB2-1976-4502-BF36-3FF5EA218861}</a:tableStyleId>
+              </a:tblPr>
+              <a:tblGrid>
+                <a:gridCol w="607223"/>
+                <a:gridCol w="607223"/>
+              </a:tblGrid>
+              <a:tr h="0">
+                <a:tc>
+                  <a:txBody>
+                    <a:bodyPr/>
+                    <a:lstStyle/>
+                    <a:p>
+                      <a:pPr algn="ctr"/>
+                      <a:endParaRPr lang="cs-CZ" sz="800" b="0" dirty="0">
+                        <a:latin typeface="Calibri" pitchFamily="34" charset="0"/>
+                      </a:endParaRPr>
+                    </a:p>
+                  </a:txBody>
+                  <a:tcPr/>
+                </a:tc>
+                <a:tc>
+                  <a:txBody>
+                    <a:bodyPr/>
+                    <a:lstStyle/>
+                    <a:p>
+                      <a:pPr algn="ctr"/>
+                      <a:r>
+                        <a:rPr lang="cs-CZ" sz="800" b="0" dirty="0" smtClean="0">
+                          <a:latin typeface="Calibri" pitchFamily="34" charset="0"/>
+                        </a:rPr>
+                        <a:t>7</a:t>
+                      </a:r>
+                      <a:endParaRPr lang="cs-CZ" sz="800" b="0" dirty="0">
+                        <a:latin typeface="Calibri" pitchFamily="34" charset="0"/>
+                      </a:endParaRPr>
+                    </a:p>
+                  </a:txBody>
+                  <a:tcPr/>
+                </a:tc>
+              </a:tr>
+            </a:tbl>
+          </a:graphicData>
+        </a:graphic>
+      </p:graphicFrame>
+      <p:graphicFrame>
+        <p:nvGraphicFramePr>
+          <p:cNvPr id="14" name="Table 26"/>
+          <p:cNvGraphicFramePr>
+            <a:graphicFrameLocks noGrp="1"/>
+          </p:cNvGraphicFramePr>
+          <p:nvPr>
+            <p:extLst>
+              <p:ext uri="{D42A27DB-BD31-4B8C-83A1-F6EECF244321}">
+                <p14:modId xmlns:p14="http://schemas.microsoft.com/office/powerpoint/2010/main" val="693203371"/>
+              </p:ext>
+            </p:extLst>
+          </p:nvPr>
+        </p:nvGraphicFramePr>
+        <p:xfrm>
+          <a:off x="4850498" y="3995613"/>
+          <a:ext cx="3036115" cy="213360"/>
+        </p:xfrm>
+        <a:graphic>
+          <a:graphicData uri="http://schemas.openxmlformats.org/drawingml/2006/table">
+            <a:tbl>
+              <a:tblPr firstRow="1" bandRow="1">
+                <a:tableStyleId>{69CF1AB2-1976-4502-BF36-3FF5EA218861}</a:tableStyleId>
+              </a:tblPr>
+              <a:tblGrid>
+                <a:gridCol w="607223"/>
+                <a:gridCol w="607223"/>
+                <a:gridCol w="607223"/>
+                <a:gridCol w="607223"/>
+                <a:gridCol w="607223"/>
+              </a:tblGrid>
+              <a:tr h="0">
+                <a:tc>
+                  <a:txBody>
+                    <a:bodyPr/>
+                    <a:lstStyle/>
+                    <a:p>
+                      <a:pPr algn="ctr"/>
+                      <a:r>
+                        <a:rPr lang="cs-CZ" sz="800" b="0" dirty="0" smtClean="0">
+                          <a:latin typeface="Calibri" pitchFamily="34" charset="0"/>
+                        </a:rPr>
+                        <a:t>8</a:t>
+                      </a:r>
+                      <a:endParaRPr lang="cs-CZ" sz="800" b="0" dirty="0">
+                        <a:latin typeface="Calibri" pitchFamily="34" charset="0"/>
+                      </a:endParaRPr>
+                    </a:p>
+                  </a:txBody>
+                  <a:tcPr/>
+                </a:tc>
+                <a:tc>
+                  <a:txBody>
+                    <a:bodyPr/>
+                    <a:lstStyle/>
+                    <a:p>
+                      <a:pPr algn="ctr"/>
+                      <a:r>
+                        <a:rPr lang="cs-CZ" sz="800" b="0" dirty="0" smtClean="0">
+                          <a:latin typeface="Calibri" pitchFamily="34" charset="0"/>
+                        </a:rPr>
+                        <a:t>9</a:t>
+                      </a:r>
+                      <a:endParaRPr lang="cs-CZ" sz="800" b="0" dirty="0">
+                        <a:latin typeface="Calibri" pitchFamily="34" charset="0"/>
+                      </a:endParaRPr>
+                    </a:p>
+                  </a:txBody>
+                  <a:tcPr/>
+                </a:tc>
+                <a:tc>
+                  <a:txBody>
+                    <a:bodyPr/>
+                    <a:lstStyle/>
+                    <a:p>
+                      <a:pPr algn="ctr"/>
+                      <a:r>
+                        <a:rPr lang="cs-CZ" sz="800" b="0" dirty="0" smtClean="0">
+                          <a:latin typeface="Calibri" pitchFamily="34" charset="0"/>
+                        </a:rPr>
+                        <a:t>10</a:t>
+                      </a:r>
+                      <a:endParaRPr lang="cs-CZ" sz="800" b="0" dirty="0">
+                        <a:latin typeface="Calibri" pitchFamily="34" charset="0"/>
+                      </a:endParaRPr>
+                    </a:p>
+                  </a:txBody>
+                  <a:tcPr/>
+                </a:tc>
+                <a:tc>
+                  <a:txBody>
+                    <a:bodyPr/>
+                    <a:lstStyle/>
+                    <a:p>
+                      <a:pPr algn="ctr"/>
+                      <a:r>
+                        <a:rPr lang="cs-CZ" sz="800" b="0" dirty="0" smtClean="0">
+                          <a:latin typeface="Calibri" pitchFamily="34" charset="0"/>
+                        </a:rPr>
+                        <a:t>11</a:t>
+                      </a:r>
+                      <a:endParaRPr lang="cs-CZ" sz="800" b="0" dirty="0">
+                        <a:latin typeface="Calibri" pitchFamily="34" charset="0"/>
+                      </a:endParaRPr>
+                    </a:p>
+                  </a:txBody>
+                  <a:tcPr/>
+                </a:tc>
+                <a:tc>
+                  <a:txBody>
+                    <a:bodyPr/>
+                    <a:lstStyle/>
+                    <a:p>
+                      <a:pPr algn="ctr"/>
+                      <a:r>
+                        <a:rPr lang="cs-CZ" sz="800" b="0" dirty="0" smtClean="0">
+                          <a:latin typeface="Calibri" pitchFamily="34" charset="0"/>
+                        </a:rPr>
+                        <a:t>12</a:t>
+                      </a:r>
+                      <a:endParaRPr lang="cs-CZ" sz="800" b="0" dirty="0">
+                        <a:latin typeface="Calibri" pitchFamily="34" charset="0"/>
+                      </a:endParaRPr>
+                    </a:p>
+                  </a:txBody>
+                  <a:tcPr/>
+                </a:tc>
+              </a:tr>
+            </a:tbl>
+          </a:graphicData>
+        </a:graphic>
+      </p:graphicFrame>
+      <p:sp>
+        <p:nvSpPr>
+          <p:cNvPr id="15" name="TextBox 27"/>
+          <p:cNvSpPr txBox="1"/>
+          <p:nvPr/>
+        </p:nvSpPr>
+        <p:spPr>
+          <a:xfrm>
+            <a:off x="10851290" y="2709729"/>
+            <a:ext cx="714380" cy="276999"/>
+          </a:xfrm>
+          <a:prstGeom prst="rect">
+            <a:avLst/>
+          </a:prstGeom>
+          <a:noFill/>
+        </p:spPr>
+        <p:txBody>
+          <a:bodyPr wrap="square" rtlCol="0">
+            <a:spAutoFit/>
+          </a:bodyPr>
+          <a:lstStyle/>
+          <a:p>
+            <a:pPr>
+              <a:buNone/>
+            </a:pPr>
+            <a:r>
+              <a:rPr lang="cs-CZ" sz="1200" dirty="0" smtClean="0">
+                <a:solidFill>
+                  <a:schemeClr val="tx1"/>
+                </a:solidFill>
+                <a:latin typeface="Calibri" pitchFamily="34" charset="0"/>
+              </a:rPr>
+              <a:t>. . .</a:t>
+            </a:r>
+            <a:endParaRPr lang="cs-CZ" sz="1200" dirty="0">
+              <a:solidFill>
+                <a:schemeClr val="tx1"/>
+              </a:solidFill>
+              <a:latin typeface="Calibri" pitchFamily="34" charset="0"/>
+            </a:endParaRPr>
+          </a:p>
+        </p:txBody>
+      </p:sp>
+      <p:sp>
+        <p:nvSpPr>
+          <p:cNvPr id="16" name="TextBox 28"/>
+          <p:cNvSpPr txBox="1"/>
+          <p:nvPr/>
+        </p:nvSpPr>
+        <p:spPr>
+          <a:xfrm>
+            <a:off x="7373530" y="4420829"/>
+            <a:ext cx="450661" cy="720197"/>
+          </a:xfrm>
+          <a:prstGeom prst="rect">
+            <a:avLst/>
+          </a:prstGeom>
+          <a:noFill/>
+        </p:spPr>
+        <p:txBody>
+          <a:bodyPr wrap="square" rtlCol="0">
+            <a:spAutoFit/>
+          </a:bodyPr>
+          <a:lstStyle/>
+          <a:p>
+            <a:pPr>
+              <a:buNone/>
+            </a:pPr>
+            <a:r>
+              <a:rPr lang="cs-CZ" sz="1200" dirty="0" smtClean="0">
+                <a:solidFill>
+                  <a:schemeClr val="tx1"/>
+                </a:solidFill>
+                <a:latin typeface="Calibri" pitchFamily="34" charset="0"/>
+              </a:rPr>
+              <a:t>.</a:t>
+            </a:r>
+          </a:p>
+          <a:p>
+            <a:pPr>
+              <a:buNone/>
+            </a:pPr>
+            <a:r>
+              <a:rPr lang="cs-CZ" sz="1200" dirty="0" smtClean="0">
+                <a:solidFill>
+                  <a:schemeClr val="tx1"/>
+                </a:solidFill>
+                <a:latin typeface="Calibri" pitchFamily="34" charset="0"/>
+              </a:rPr>
+              <a:t>.</a:t>
+            </a:r>
+          </a:p>
+          <a:p>
+            <a:pPr>
+              <a:buNone/>
+            </a:pPr>
+            <a:r>
+              <a:rPr lang="cs-CZ" sz="1200" dirty="0" smtClean="0">
+                <a:solidFill>
+                  <a:schemeClr val="tx1"/>
+                </a:solidFill>
+                <a:latin typeface="Calibri" pitchFamily="34" charset="0"/>
+              </a:rPr>
+              <a:t>.</a:t>
+            </a:r>
+            <a:endParaRPr lang="cs-CZ" sz="1200" dirty="0">
+              <a:solidFill>
+                <a:schemeClr val="tx1"/>
+              </a:solidFill>
+              <a:latin typeface="Calibri" pitchFamily="34" charset="0"/>
+            </a:endParaRPr>
           </a:p>
         </p:txBody>
       </p:sp>
